--- a/LearnKnit/public/assets/기획서.pptx
+++ b/LearnKnit/public/assets/기획서.pptx
@@ -104,6 +104,11 @@
       </a:defRPr>
     </a:lvl9pPr>
   </p:defaultTextStyle>
+  <p:extLst>
+    <p:ext uri="{EFAFB233-063F-42B5-8137-9DF3F51BA10A}">
+      <p15:sldGuideLst xmlns:p15="http://schemas.microsoft.com/office/powerpoint/2012/main"/>
+    </p:ext>
+  </p:extLst>
 </p:presentation>
 </file>
 
@@ -3553,50 +3558,6 @@
       </p:sp>
       <p:sp>
         <p:nvSpPr>
-          <p:cNvPr id="9" name="TextBox 8">
-            <a:extLst>
-              <a:ext uri="{FF2B5EF4-FFF2-40B4-BE49-F238E27FC236}">
-                <a16:creationId xmlns:a16="http://schemas.microsoft.com/office/drawing/2014/main" id="{4580E750-EA36-90BA-112C-DCE086054732}"/>
-              </a:ext>
-            </a:extLst>
-          </p:cNvPr>
-          <p:cNvSpPr txBox="1"/>
-          <p:nvPr/>
-        </p:nvSpPr>
-        <p:spPr>
-          <a:xfrm>
-            <a:off x="10281820" y="143808"/>
-            <a:ext cx="1910179" cy="369332"/>
-          </a:xfrm>
-          <a:prstGeom prst="rect">
-            <a:avLst/>
-          </a:prstGeom>
-          <a:noFill/>
-        </p:spPr>
-        <p:txBody>
-          <a:bodyPr wrap="square" rtlCol="0">
-            <a:spAutoFit/>
-          </a:bodyPr>
-          <a:lstStyle/>
-          <a:p>
-            <a:pPr algn="ctr"/>
-            <a:r>
-              <a:rPr lang="ko-KR" altLang="en-US" dirty="0"/>
-              <a:t>코바늘 </a:t>
-            </a:r>
-            <a:r>
-              <a:rPr lang="en-US" altLang="ko-KR" dirty="0"/>
-              <a:t>| </a:t>
-            </a:r>
-            <a:r>
-              <a:rPr lang="ko-KR" altLang="en-US" dirty="0"/>
-              <a:t>대바늘</a:t>
-            </a:r>
-          </a:p>
-        </p:txBody>
-      </p:sp>
-      <p:sp>
-        <p:nvSpPr>
           <p:cNvPr id="10" name="직사각형 9">
             <a:extLst>
               <a:ext uri="{FF2B5EF4-FFF2-40B4-BE49-F238E27FC236}">
@@ -3910,7 +3871,7 @@
             </a:r>
             <a:r>
               <a:rPr lang="ko-KR" altLang="en-US" dirty="0"/>
-              <a:t>기초</a:t>
+              <a:t>코바늘 기초</a:t>
             </a:r>
           </a:p>
         </p:txBody>
@@ -4204,8 +4165,431 @@
             </a:r>
             <a:r>
               <a:rPr lang="ko-KR" altLang="en-US" dirty="0"/>
-              <a:t>고급</a:t>
-            </a:r>
+              <a:t>코바늘 고급</a:t>
+            </a:r>
+          </a:p>
+        </p:txBody>
+      </p:sp>
+      <p:sp>
+        <p:nvSpPr>
+          <p:cNvPr id="2" name="사각형: 둥근 모서리 1">
+            <a:extLst>
+              <a:ext uri="{FF2B5EF4-FFF2-40B4-BE49-F238E27FC236}">
+                <a16:creationId xmlns:a16="http://schemas.microsoft.com/office/drawing/2014/main" id="{74FDBC93-2A56-5A99-9E4C-BF2CFCEE7ED6}"/>
+              </a:ext>
+            </a:extLst>
+          </p:cNvPr>
+          <p:cNvSpPr/>
+          <p:nvPr/>
+        </p:nvSpPr>
+        <p:spPr>
+          <a:xfrm>
+            <a:off x="1458095" y="95437"/>
+            <a:ext cx="1910179" cy="451651"/>
+          </a:xfrm>
+          <a:prstGeom prst="roundRect">
+            <a:avLst>
+              <a:gd name="adj" fmla="val 50000"/>
+            </a:avLst>
+          </a:prstGeom>
+        </p:spPr>
+        <p:style>
+          <a:lnRef idx="2">
+            <a:schemeClr val="dk1"/>
+          </a:lnRef>
+          <a:fillRef idx="1">
+            <a:schemeClr val="lt1"/>
+          </a:fillRef>
+          <a:effectRef idx="0">
+            <a:schemeClr val="dk1"/>
+          </a:effectRef>
+          <a:fontRef idx="minor">
+            <a:schemeClr val="dk1"/>
+          </a:fontRef>
+        </p:style>
+        <p:txBody>
+          <a:bodyPr rtlCol="0" anchor="ctr"/>
+          <a:lstStyle/>
+          <a:p>
+            <a:pPr algn="ctr"/>
+            <a:r>
+              <a:rPr lang="ko-KR" altLang="en-US" sz="1100" dirty="0"/>
+              <a:t>메뉴 숨기기</a:t>
+            </a:r>
+          </a:p>
+        </p:txBody>
+      </p:sp>
+      <p:sp>
+        <p:nvSpPr>
+          <p:cNvPr id="26" name="타원 25">
+            <a:extLst>
+              <a:ext uri="{FF2B5EF4-FFF2-40B4-BE49-F238E27FC236}">
+                <a16:creationId xmlns:a16="http://schemas.microsoft.com/office/drawing/2014/main" id="{34AC474D-CEA8-645F-7907-2C55378744B3}"/>
+              </a:ext>
+            </a:extLst>
+          </p:cNvPr>
+          <p:cNvSpPr/>
+          <p:nvPr/>
+        </p:nvSpPr>
+        <p:spPr>
+          <a:xfrm>
+            <a:off x="1541736" y="145479"/>
+            <a:ext cx="343102" cy="343102"/>
+          </a:xfrm>
+          <a:prstGeom prst="ellipse">
+            <a:avLst/>
+          </a:prstGeom>
+        </p:spPr>
+        <p:style>
+          <a:lnRef idx="2">
+            <a:schemeClr val="dk1"/>
+          </a:lnRef>
+          <a:fillRef idx="1">
+            <a:schemeClr val="lt1"/>
+          </a:fillRef>
+          <a:effectRef idx="0">
+            <a:schemeClr val="dk1"/>
+          </a:effectRef>
+          <a:fontRef idx="minor">
+            <a:schemeClr val="dk1"/>
+          </a:fontRef>
+        </p:style>
+        <p:txBody>
+          <a:bodyPr rtlCol="0" anchor="ctr"/>
+          <a:lstStyle/>
+          <a:p>
+            <a:pPr algn="ctr"/>
+            <a:endParaRPr lang="ko-KR" altLang="en-US"/>
+          </a:p>
+        </p:txBody>
+      </p:sp>
+      <p:sp>
+        <p:nvSpPr>
+          <p:cNvPr id="11" name="사각형: 둥근 모서리 10">
+            <a:extLst>
+              <a:ext uri="{FF2B5EF4-FFF2-40B4-BE49-F238E27FC236}">
+                <a16:creationId xmlns:a16="http://schemas.microsoft.com/office/drawing/2014/main" id="{0037615F-38AD-6254-A3CB-2715FF3CFACF}"/>
+              </a:ext>
+            </a:extLst>
+          </p:cNvPr>
+          <p:cNvSpPr/>
+          <p:nvPr/>
+        </p:nvSpPr>
+        <p:spPr>
+          <a:xfrm>
+            <a:off x="3619744" y="95437"/>
+            <a:ext cx="1910179" cy="451651"/>
+          </a:xfrm>
+          <a:prstGeom prst="roundRect">
+            <a:avLst>
+              <a:gd name="adj" fmla="val 50000"/>
+            </a:avLst>
+          </a:prstGeom>
+        </p:spPr>
+        <p:style>
+          <a:lnRef idx="2">
+            <a:schemeClr val="dk1"/>
+          </a:lnRef>
+          <a:fillRef idx="1">
+            <a:schemeClr val="lt1"/>
+          </a:fillRef>
+          <a:effectRef idx="0">
+            <a:schemeClr val="dk1"/>
+          </a:effectRef>
+          <a:fontRef idx="minor">
+            <a:schemeClr val="dk1"/>
+          </a:fontRef>
+        </p:style>
+        <p:txBody>
+          <a:bodyPr rtlCol="0" anchor="ctr"/>
+          <a:lstStyle/>
+          <a:p>
+            <a:pPr algn="ctr"/>
+            <a:r>
+              <a:rPr lang="ko-KR" altLang="en-US" sz="1100" dirty="0"/>
+              <a:t>이전 영상</a:t>
+            </a:r>
+          </a:p>
+        </p:txBody>
+      </p:sp>
+      <p:sp>
+        <p:nvSpPr>
+          <p:cNvPr id="3" name="곱하기 기호 2">
+            <a:extLst>
+              <a:ext uri="{FF2B5EF4-FFF2-40B4-BE49-F238E27FC236}">
+                <a16:creationId xmlns:a16="http://schemas.microsoft.com/office/drawing/2014/main" id="{7B09A7C4-3D3D-01D8-533C-FDACE5B7E4F7}"/>
+              </a:ext>
+            </a:extLst>
+          </p:cNvPr>
+          <p:cNvSpPr/>
+          <p:nvPr/>
+        </p:nvSpPr>
+        <p:spPr>
+          <a:xfrm>
+            <a:off x="1614502" y="225845"/>
+            <a:ext cx="197569" cy="197569"/>
+          </a:xfrm>
+          <a:prstGeom prst="mathMultiply">
+            <a:avLst>
+              <a:gd name="adj1" fmla="val 12545"/>
+            </a:avLst>
+          </a:prstGeom>
+        </p:spPr>
+        <p:style>
+          <a:lnRef idx="2">
+            <a:schemeClr val="dk1"/>
+          </a:lnRef>
+          <a:fillRef idx="1">
+            <a:schemeClr val="lt1"/>
+          </a:fillRef>
+          <a:effectRef idx="0">
+            <a:schemeClr val="dk1"/>
+          </a:effectRef>
+          <a:fontRef idx="minor">
+            <a:schemeClr val="dk1"/>
+          </a:fontRef>
+        </p:style>
+        <p:txBody>
+          <a:bodyPr rtlCol="0" anchor="ctr"/>
+          <a:lstStyle/>
+          <a:p>
+            <a:pPr algn="ctr"/>
+            <a:endParaRPr lang="ko-KR" altLang="en-US"/>
+          </a:p>
+        </p:txBody>
+      </p:sp>
+      <p:sp>
+        <p:nvSpPr>
+          <p:cNvPr id="27" name="타원 26">
+            <a:extLst>
+              <a:ext uri="{FF2B5EF4-FFF2-40B4-BE49-F238E27FC236}">
+                <a16:creationId xmlns:a16="http://schemas.microsoft.com/office/drawing/2014/main" id="{104F8BDF-2D95-8C1C-745A-439D78FC7C49}"/>
+              </a:ext>
+            </a:extLst>
+          </p:cNvPr>
+          <p:cNvSpPr/>
+          <p:nvPr/>
+        </p:nvSpPr>
+        <p:spPr>
+          <a:xfrm>
+            <a:off x="3692846" y="145479"/>
+            <a:ext cx="343102" cy="343102"/>
+          </a:xfrm>
+          <a:prstGeom prst="ellipse">
+            <a:avLst/>
+          </a:prstGeom>
+        </p:spPr>
+        <p:style>
+          <a:lnRef idx="2">
+            <a:schemeClr val="dk1"/>
+          </a:lnRef>
+          <a:fillRef idx="1">
+            <a:schemeClr val="lt1"/>
+          </a:fillRef>
+          <a:effectRef idx="0">
+            <a:schemeClr val="dk1"/>
+          </a:effectRef>
+          <a:fontRef idx="minor">
+            <a:schemeClr val="dk1"/>
+          </a:fontRef>
+        </p:style>
+        <p:txBody>
+          <a:bodyPr rtlCol="0" anchor="ctr"/>
+          <a:lstStyle/>
+          <a:p>
+            <a:pPr algn="ctr"/>
+            <a:endParaRPr lang="ko-KR" altLang="en-US"/>
+          </a:p>
+        </p:txBody>
+      </p:sp>
+      <p:sp>
+        <p:nvSpPr>
+          <p:cNvPr id="29" name="화살표: 왼쪽 28">
+            <a:extLst>
+              <a:ext uri="{FF2B5EF4-FFF2-40B4-BE49-F238E27FC236}">
+                <a16:creationId xmlns:a16="http://schemas.microsoft.com/office/drawing/2014/main" id="{79C2F660-5DA9-801E-0E9F-23D1E4C00386}"/>
+              </a:ext>
+            </a:extLst>
+          </p:cNvPr>
+          <p:cNvSpPr/>
+          <p:nvPr/>
+        </p:nvSpPr>
+        <p:spPr>
+          <a:xfrm>
+            <a:off x="3807899" y="279723"/>
+            <a:ext cx="112996" cy="74613"/>
+          </a:xfrm>
+          <a:prstGeom prst="leftArrow">
+            <a:avLst>
+              <a:gd name="adj1" fmla="val 28726"/>
+              <a:gd name="adj2" fmla="val 50000"/>
+            </a:avLst>
+          </a:prstGeom>
+        </p:spPr>
+        <p:style>
+          <a:lnRef idx="2">
+            <a:schemeClr val="dk1"/>
+          </a:lnRef>
+          <a:fillRef idx="1">
+            <a:schemeClr val="lt1"/>
+          </a:fillRef>
+          <a:effectRef idx="0">
+            <a:schemeClr val="dk1"/>
+          </a:effectRef>
+          <a:fontRef idx="minor">
+            <a:schemeClr val="dk1"/>
+          </a:fontRef>
+        </p:style>
+        <p:txBody>
+          <a:bodyPr rtlCol="0" anchor="ctr"/>
+          <a:lstStyle/>
+          <a:p>
+            <a:pPr algn="ctr"/>
+            <a:endParaRPr lang="ko-KR" altLang="en-US"/>
+          </a:p>
+        </p:txBody>
+      </p:sp>
+      <p:sp>
+        <p:nvSpPr>
+          <p:cNvPr id="30" name="사각형: 둥근 모서리 29">
+            <a:extLst>
+              <a:ext uri="{FF2B5EF4-FFF2-40B4-BE49-F238E27FC236}">
+                <a16:creationId xmlns:a16="http://schemas.microsoft.com/office/drawing/2014/main" id="{74E7483A-F79C-A3CF-7B92-FF25BE8E120B}"/>
+              </a:ext>
+            </a:extLst>
+          </p:cNvPr>
+          <p:cNvSpPr/>
+          <p:nvPr/>
+        </p:nvSpPr>
+        <p:spPr>
+          <a:xfrm>
+            <a:off x="10124004" y="102648"/>
+            <a:ext cx="1910179" cy="451651"/>
+          </a:xfrm>
+          <a:prstGeom prst="roundRect">
+            <a:avLst>
+              <a:gd name="adj" fmla="val 50000"/>
+            </a:avLst>
+          </a:prstGeom>
+        </p:spPr>
+        <p:style>
+          <a:lnRef idx="2">
+            <a:schemeClr val="dk1"/>
+          </a:lnRef>
+          <a:fillRef idx="1">
+            <a:schemeClr val="lt1"/>
+          </a:fillRef>
+          <a:effectRef idx="0">
+            <a:schemeClr val="dk1"/>
+          </a:effectRef>
+          <a:fontRef idx="minor">
+            <a:schemeClr val="dk1"/>
+          </a:fontRef>
+        </p:style>
+        <p:txBody>
+          <a:bodyPr rtlCol="0" anchor="ctr"/>
+          <a:lstStyle/>
+          <a:p>
+            <a:pPr algn="ctr"/>
+            <a:r>
+              <a:rPr lang="ko-KR" altLang="en-US" sz="1100"/>
+              <a:t>다음 </a:t>
+            </a:r>
+            <a:r>
+              <a:rPr lang="ko-KR" altLang="en-US" sz="1100" dirty="0"/>
+              <a:t>영상</a:t>
+            </a:r>
+          </a:p>
+        </p:txBody>
+      </p:sp>
+      <p:sp>
+        <p:nvSpPr>
+          <p:cNvPr id="31" name="타원 30">
+            <a:extLst>
+              <a:ext uri="{FF2B5EF4-FFF2-40B4-BE49-F238E27FC236}">
+                <a16:creationId xmlns:a16="http://schemas.microsoft.com/office/drawing/2014/main" id="{75978EC6-B39E-EFB8-003C-582ABCA06BBD}"/>
+              </a:ext>
+            </a:extLst>
+          </p:cNvPr>
+          <p:cNvSpPr/>
+          <p:nvPr/>
+        </p:nvSpPr>
+        <p:spPr>
+          <a:xfrm flipH="1">
+            <a:off x="11619506" y="145479"/>
+            <a:ext cx="343102" cy="343102"/>
+          </a:xfrm>
+          <a:prstGeom prst="ellipse">
+            <a:avLst/>
+          </a:prstGeom>
+        </p:spPr>
+        <p:style>
+          <a:lnRef idx="2">
+            <a:schemeClr val="dk1"/>
+          </a:lnRef>
+          <a:fillRef idx="1">
+            <a:schemeClr val="lt1"/>
+          </a:fillRef>
+          <a:effectRef idx="0">
+            <a:schemeClr val="dk1"/>
+          </a:effectRef>
+          <a:fontRef idx="minor">
+            <a:schemeClr val="dk1"/>
+          </a:fontRef>
+        </p:style>
+        <p:txBody>
+          <a:bodyPr rtlCol="0" anchor="ctr"/>
+          <a:lstStyle/>
+          <a:p>
+            <a:pPr algn="ctr"/>
+            <a:endParaRPr lang="ko-KR" altLang="en-US"/>
+          </a:p>
+        </p:txBody>
+      </p:sp>
+      <p:sp>
+        <p:nvSpPr>
+          <p:cNvPr id="32" name="화살표: 왼쪽 31">
+            <a:extLst>
+              <a:ext uri="{FF2B5EF4-FFF2-40B4-BE49-F238E27FC236}">
+                <a16:creationId xmlns:a16="http://schemas.microsoft.com/office/drawing/2014/main" id="{7AC05633-1EFD-3561-B599-F2944966F9A3}"/>
+              </a:ext>
+            </a:extLst>
+          </p:cNvPr>
+          <p:cNvSpPr/>
+          <p:nvPr/>
+        </p:nvSpPr>
+        <p:spPr>
+          <a:xfrm flipH="1">
+            <a:off x="11734559" y="279723"/>
+            <a:ext cx="112996" cy="74613"/>
+          </a:xfrm>
+          <a:prstGeom prst="leftArrow">
+            <a:avLst>
+              <a:gd name="adj1" fmla="val 28726"/>
+              <a:gd name="adj2" fmla="val 50000"/>
+            </a:avLst>
+          </a:prstGeom>
+        </p:spPr>
+        <p:style>
+          <a:lnRef idx="2">
+            <a:schemeClr val="dk1"/>
+          </a:lnRef>
+          <a:fillRef idx="1">
+            <a:schemeClr val="lt1"/>
+          </a:fillRef>
+          <a:effectRef idx="0">
+            <a:schemeClr val="dk1"/>
+          </a:effectRef>
+          <a:fontRef idx="minor">
+            <a:schemeClr val="dk1"/>
+          </a:fontRef>
+        </p:style>
+        <p:txBody>
+          <a:bodyPr rtlCol="0" anchor="ctr"/>
+          <a:lstStyle/>
+          <a:p>
+            <a:pPr algn="ctr"/>
+            <a:endParaRPr lang="ko-KR" altLang="en-US"/>
           </a:p>
         </p:txBody>
       </p:sp>

--- a/LearnKnit/public/assets/기획서.pptx
+++ b/LearnKnit/public/assets/기획서.pptx
@@ -6,6 +6,8 @@
   </p:sldMasterIdLst>
   <p:sldIdLst>
     <p:sldId id="256" r:id="rId2"/>
+    <p:sldId id="258" r:id="rId3"/>
+    <p:sldId id="257" r:id="rId4"/>
   </p:sldIdLst>
   <p:sldSz cx="12192000" cy="6858000"/>
   <p:notesSz cx="6858000" cy="9144000"/>
@@ -259,7 +261,7 @@
           <a:p>
             <a:fld id="{A20C2308-5FA8-49C9-91B0-D1773736FABC}" type="datetimeFigureOut">
               <a:rPr lang="ko-KR" altLang="en-US" smtClean="0"/>
-              <a:t>2022-11-15</a:t>
+              <a:t>2023-06-07</a:t>
             </a:fld>
             <a:endParaRPr lang="ko-KR" altLang="en-US"/>
           </a:p>
@@ -457,7 +459,7 @@
           <a:p>
             <a:fld id="{A20C2308-5FA8-49C9-91B0-D1773736FABC}" type="datetimeFigureOut">
               <a:rPr lang="ko-KR" altLang="en-US" smtClean="0"/>
-              <a:t>2022-11-15</a:t>
+              <a:t>2023-06-07</a:t>
             </a:fld>
             <a:endParaRPr lang="ko-KR" altLang="en-US"/>
           </a:p>
@@ -665,7 +667,7 @@
           <a:p>
             <a:fld id="{A20C2308-5FA8-49C9-91B0-D1773736FABC}" type="datetimeFigureOut">
               <a:rPr lang="ko-KR" altLang="en-US" smtClean="0"/>
-              <a:t>2022-11-15</a:t>
+              <a:t>2023-06-07</a:t>
             </a:fld>
             <a:endParaRPr lang="ko-KR" altLang="en-US"/>
           </a:p>
@@ -863,7 +865,7 @@
           <a:p>
             <a:fld id="{A20C2308-5FA8-49C9-91B0-D1773736FABC}" type="datetimeFigureOut">
               <a:rPr lang="ko-KR" altLang="en-US" smtClean="0"/>
-              <a:t>2022-11-15</a:t>
+              <a:t>2023-06-07</a:t>
             </a:fld>
             <a:endParaRPr lang="ko-KR" altLang="en-US"/>
           </a:p>
@@ -1138,7 +1140,7 @@
           <a:p>
             <a:fld id="{A20C2308-5FA8-49C9-91B0-D1773736FABC}" type="datetimeFigureOut">
               <a:rPr lang="ko-KR" altLang="en-US" smtClean="0"/>
-              <a:t>2022-11-15</a:t>
+              <a:t>2023-06-07</a:t>
             </a:fld>
             <a:endParaRPr lang="ko-KR" altLang="en-US"/>
           </a:p>
@@ -1403,7 +1405,7 @@
           <a:p>
             <a:fld id="{A20C2308-5FA8-49C9-91B0-D1773736FABC}" type="datetimeFigureOut">
               <a:rPr lang="ko-KR" altLang="en-US" smtClean="0"/>
-              <a:t>2022-11-15</a:t>
+              <a:t>2023-06-07</a:t>
             </a:fld>
             <a:endParaRPr lang="ko-KR" altLang="en-US"/>
           </a:p>
@@ -1815,7 +1817,7 @@
           <a:p>
             <a:fld id="{A20C2308-5FA8-49C9-91B0-D1773736FABC}" type="datetimeFigureOut">
               <a:rPr lang="ko-KR" altLang="en-US" smtClean="0"/>
-              <a:t>2022-11-15</a:t>
+              <a:t>2023-06-07</a:t>
             </a:fld>
             <a:endParaRPr lang="ko-KR" altLang="en-US"/>
           </a:p>
@@ -1956,7 +1958,7 @@
           <a:p>
             <a:fld id="{A20C2308-5FA8-49C9-91B0-D1773736FABC}" type="datetimeFigureOut">
               <a:rPr lang="ko-KR" altLang="en-US" smtClean="0"/>
-              <a:t>2022-11-15</a:t>
+              <a:t>2023-06-07</a:t>
             </a:fld>
             <a:endParaRPr lang="ko-KR" altLang="en-US"/>
           </a:p>
@@ -2069,7 +2071,7 @@
           <a:p>
             <a:fld id="{A20C2308-5FA8-49C9-91B0-D1773736FABC}" type="datetimeFigureOut">
               <a:rPr lang="ko-KR" altLang="en-US" smtClean="0"/>
-              <a:t>2022-11-15</a:t>
+              <a:t>2023-06-07</a:t>
             </a:fld>
             <a:endParaRPr lang="ko-KR" altLang="en-US"/>
           </a:p>
@@ -2380,7 +2382,7 @@
           <a:p>
             <a:fld id="{A20C2308-5FA8-49C9-91B0-D1773736FABC}" type="datetimeFigureOut">
               <a:rPr lang="ko-KR" altLang="en-US" smtClean="0"/>
-              <a:t>2022-11-15</a:t>
+              <a:t>2023-06-07</a:t>
             </a:fld>
             <a:endParaRPr lang="ko-KR" altLang="en-US"/>
           </a:p>
@@ -2668,7 +2670,7 @@
           <a:p>
             <a:fld id="{A20C2308-5FA8-49C9-91B0-D1773736FABC}" type="datetimeFigureOut">
               <a:rPr lang="ko-KR" altLang="en-US" smtClean="0"/>
-              <a:t>2022-11-15</a:t>
+              <a:t>2023-06-07</a:t>
             </a:fld>
             <a:endParaRPr lang="ko-KR" altLang="en-US"/>
           </a:p>
@@ -2909,7 +2911,7 @@
           <a:p>
             <a:fld id="{A20C2308-5FA8-49C9-91B0-D1773736FABC}" type="datetimeFigureOut">
               <a:rPr lang="ko-KR" altLang="en-US" smtClean="0"/>
-              <a:t>2022-11-15</a:t>
+              <a:t>2023-06-07</a:t>
             </a:fld>
             <a:endParaRPr lang="ko-KR" altLang="en-US"/>
           </a:p>
@@ -3328,10 +3330,10 @@
       </p:grpSpPr>
       <p:sp>
         <p:nvSpPr>
-          <p:cNvPr id="4" name="직사각형 3">
-            <a:extLst>
-              <a:ext uri="{FF2B5EF4-FFF2-40B4-BE49-F238E27FC236}">
-                <a16:creationId xmlns:a16="http://schemas.microsoft.com/office/drawing/2014/main" id="{AB1A3952-4006-B11C-1A54-C020EB04A4C9}"/>
+          <p:cNvPr id="5" name="직사각형 4">
+            <a:extLst>
+              <a:ext uri="{FF2B5EF4-FFF2-40B4-BE49-F238E27FC236}">
+                <a16:creationId xmlns:a16="http://schemas.microsoft.com/office/drawing/2014/main" id="{678F752A-616D-BDCE-F469-A89102A51617}"/>
               </a:ext>
             </a:extLst>
           </p:cNvPr>
@@ -3340,8 +3342,8 @@
         </p:nvSpPr>
         <p:spPr>
           <a:xfrm>
-            <a:off x="2" y="1784412"/>
-            <a:ext cx="3488924" cy="5073588"/>
+            <a:off x="1" y="656948"/>
+            <a:ext cx="12192000" cy="6201052"/>
           </a:xfrm>
           <a:prstGeom prst="rect">
             <a:avLst/>
@@ -3372,10 +3374,10 @@
       </p:sp>
       <p:sp>
         <p:nvSpPr>
-          <p:cNvPr id="5" name="직사각형 4">
-            <a:extLst>
-              <a:ext uri="{FF2B5EF4-FFF2-40B4-BE49-F238E27FC236}">
-                <a16:creationId xmlns:a16="http://schemas.microsoft.com/office/drawing/2014/main" id="{678F752A-616D-BDCE-F469-A89102A51617}"/>
+          <p:cNvPr id="6" name="직사각형 5">
+            <a:extLst>
+              <a:ext uri="{FF2B5EF4-FFF2-40B4-BE49-F238E27FC236}">
+                <a16:creationId xmlns:a16="http://schemas.microsoft.com/office/drawing/2014/main" id="{8D2B868A-4D70-CFE1-8792-F1EE36205341}"/>
               </a:ext>
             </a:extLst>
           </p:cNvPr>
@@ -3384,8 +3386,8 @@
         </p:nvSpPr>
         <p:spPr>
           <a:xfrm>
-            <a:off x="3488925" y="656948"/>
-            <a:ext cx="8703075" cy="6201052"/>
+            <a:off x="1" y="0"/>
+            <a:ext cx="12191999" cy="656948"/>
           </a:xfrm>
           <a:prstGeom prst="rect">
             <a:avLst/>
@@ -3416,10 +3418,10 @@
       </p:sp>
       <p:sp>
         <p:nvSpPr>
-          <p:cNvPr id="6" name="직사각형 5">
-            <a:extLst>
-              <a:ext uri="{FF2B5EF4-FFF2-40B4-BE49-F238E27FC236}">
-                <a16:creationId xmlns:a16="http://schemas.microsoft.com/office/drawing/2014/main" id="{8D2B868A-4D70-CFE1-8792-F1EE36205341}"/>
+          <p:cNvPr id="10" name="직사각형 9">
+            <a:extLst>
+              <a:ext uri="{FF2B5EF4-FFF2-40B4-BE49-F238E27FC236}">
+                <a16:creationId xmlns:a16="http://schemas.microsoft.com/office/drawing/2014/main" id="{AC615617-43C5-879F-45D9-BEC724380D76}"/>
               </a:ext>
             </a:extLst>
           </p:cNvPr>
@@ -3428,8 +3430,8 @@
         </p:nvSpPr>
         <p:spPr>
           <a:xfrm>
-            <a:off x="1" y="0"/>
-            <a:ext cx="12191999" cy="656948"/>
+            <a:off x="2061839" y="1011284"/>
+            <a:ext cx="8068322" cy="3214826"/>
           </a:xfrm>
           <a:prstGeom prst="rect">
             <a:avLst/>
@@ -3454,16 +3456,23 @@
           <a:lstStyle/>
           <a:p>
             <a:pPr algn="ctr"/>
-            <a:endParaRPr lang="ko-KR" altLang="en-US"/>
-          </a:p>
-        </p:txBody>
-      </p:sp>
-      <p:sp>
-        <p:nvSpPr>
-          <p:cNvPr id="7" name="직사각형 6">
-            <a:extLst>
-              <a:ext uri="{FF2B5EF4-FFF2-40B4-BE49-F238E27FC236}">
-                <a16:creationId xmlns:a16="http://schemas.microsoft.com/office/drawing/2014/main" id="{8F3CD9B8-9925-34AD-31BF-4F51D8583230}"/>
+            <a:r>
+              <a:rPr lang="en-US" altLang="ko-KR" dirty="0"/>
+              <a:t>YOUTUBE </a:t>
+            </a:r>
+            <a:r>
+              <a:rPr lang="ko-KR" altLang="en-US" dirty="0"/>
+              <a:t>영상</a:t>
+            </a:r>
+          </a:p>
+        </p:txBody>
+      </p:sp>
+      <p:sp>
+        <p:nvSpPr>
+          <p:cNvPr id="12" name="직사각형 11">
+            <a:extLst>
+              <a:ext uri="{FF2B5EF4-FFF2-40B4-BE49-F238E27FC236}">
+                <a16:creationId xmlns:a16="http://schemas.microsoft.com/office/drawing/2014/main" id="{9A21582F-FC37-6104-4196-706A2CE3FE5E}"/>
               </a:ext>
             </a:extLst>
           </p:cNvPr>
@@ -3472,8 +3481,8 @@
         </p:nvSpPr>
         <p:spPr>
           <a:xfrm>
-            <a:off x="0" y="656948"/>
-            <a:ext cx="3488924" cy="1127464"/>
+            <a:off x="2061839" y="4335970"/>
+            <a:ext cx="8068322" cy="1650961"/>
           </a:xfrm>
           <a:prstGeom prst="rect">
             <a:avLst/>
@@ -3500,22 +3509,17 @@
             <a:pPr algn="ctr"/>
             <a:r>
               <a:rPr lang="ko-KR" altLang="en-US" dirty="0"/>
-              <a:t>제작자 설명 및 출처</a:t>
-            </a:r>
-            <a:r>
-              <a:rPr lang="en-US" altLang="ko-KR" dirty="0"/>
-              <a:t>?</a:t>
-            </a:r>
-            <a:endParaRPr lang="ko-KR" altLang="en-US" dirty="0"/>
-          </a:p>
-        </p:txBody>
-      </p:sp>
-      <p:sp>
-        <p:nvSpPr>
-          <p:cNvPr id="8" name="사각형: 둥근 모서리 7">
-            <a:extLst>
-              <a:ext uri="{FF2B5EF4-FFF2-40B4-BE49-F238E27FC236}">
-                <a16:creationId xmlns:a16="http://schemas.microsoft.com/office/drawing/2014/main" id="{9B314DF5-EFEA-186C-CFB7-F4F26768460F}"/>
+              <a:t>관련 설명</a:t>
+            </a:r>
+          </a:p>
+        </p:txBody>
+      </p:sp>
+      <p:sp>
+        <p:nvSpPr>
+          <p:cNvPr id="13" name="사각형: 둥근 모서리 12">
+            <a:extLst>
+              <a:ext uri="{FF2B5EF4-FFF2-40B4-BE49-F238E27FC236}">
+                <a16:creationId xmlns:a16="http://schemas.microsoft.com/office/drawing/2014/main" id="{B15E75E6-A44E-8388-7D95-E85198B2EF44}"/>
               </a:ext>
             </a:extLst>
           </p:cNvPr>
@@ -3524,8 +3528,8 @@
         </p:nvSpPr>
         <p:spPr>
           <a:xfrm>
-            <a:off x="170895" y="1927564"/>
-            <a:ext cx="3147134" cy="2085143"/>
+            <a:off x="91738" y="102648"/>
+            <a:ext cx="485312" cy="451651"/>
           </a:xfrm>
           <a:prstGeom prst="roundRect">
             <a:avLst>
@@ -3552,16 +3556,19 @@
           <a:lstStyle/>
           <a:p>
             <a:pPr algn="ctr"/>
-            <a:endParaRPr lang="ko-KR" altLang="en-US" dirty="0"/>
-          </a:p>
-        </p:txBody>
-      </p:sp>
-      <p:sp>
-        <p:nvSpPr>
-          <p:cNvPr id="10" name="직사각형 9">
-            <a:extLst>
-              <a:ext uri="{FF2B5EF4-FFF2-40B4-BE49-F238E27FC236}">
-                <a16:creationId xmlns:a16="http://schemas.microsoft.com/office/drawing/2014/main" id="{AC615617-43C5-879F-45D9-BEC724380D76}"/>
+            <a:r>
+              <a:rPr lang="ko-KR" altLang="en-US" sz="1100" dirty="0"/>
+              <a:t>로고</a:t>
+            </a:r>
+          </a:p>
+        </p:txBody>
+      </p:sp>
+      <p:sp>
+        <p:nvSpPr>
+          <p:cNvPr id="2" name="사각형: 둥근 모서리 1">
+            <a:extLst>
+              <a:ext uri="{FF2B5EF4-FFF2-40B4-BE49-F238E27FC236}">
+                <a16:creationId xmlns:a16="http://schemas.microsoft.com/office/drawing/2014/main" id="{74FDBC93-2A56-5A99-9E4C-BF2CFCEE7ED6}"/>
               </a:ext>
             </a:extLst>
           </p:cNvPr>
@@ -3570,11 +3577,13 @@
         </p:nvSpPr>
         <p:spPr>
           <a:xfrm>
-            <a:off x="3765613" y="995779"/>
-            <a:ext cx="8068322" cy="3860306"/>
-          </a:xfrm>
-          <a:prstGeom prst="rect">
-            <a:avLst/>
+            <a:off x="1458095" y="95437"/>
+            <a:ext cx="1910179" cy="451651"/>
+          </a:xfrm>
+          <a:prstGeom prst="roundRect">
+            <a:avLst>
+              <a:gd name="adj" fmla="val 50000"/>
+            </a:avLst>
           </a:prstGeom>
         </p:spPr>
         <p:style>
@@ -3597,22 +3606,18 @@
           <a:p>
             <a:pPr algn="ctr"/>
             <a:r>
-              <a:rPr lang="en-US" altLang="ko-KR" dirty="0"/>
-              <a:t>YOUTUBE </a:t>
-            </a:r>
-            <a:r>
-              <a:rPr lang="ko-KR" altLang="en-US" dirty="0"/>
-              <a:t>영상</a:t>
-            </a:r>
-          </a:p>
-        </p:txBody>
-      </p:sp>
-      <p:sp>
-        <p:nvSpPr>
-          <p:cNvPr id="12" name="직사각형 11">
-            <a:extLst>
-              <a:ext uri="{FF2B5EF4-FFF2-40B4-BE49-F238E27FC236}">
-                <a16:creationId xmlns:a16="http://schemas.microsoft.com/office/drawing/2014/main" id="{9A21582F-FC37-6104-4196-706A2CE3FE5E}"/>
+              <a:rPr lang="ko-KR" altLang="en-US" sz="1100" dirty="0"/>
+              <a:t>메뉴 펼치기</a:t>
+            </a:r>
+          </a:p>
+        </p:txBody>
+      </p:sp>
+      <p:sp>
+        <p:nvSpPr>
+          <p:cNvPr id="26" name="타원 25">
+            <a:extLst>
+              <a:ext uri="{FF2B5EF4-FFF2-40B4-BE49-F238E27FC236}">
+                <a16:creationId xmlns:a16="http://schemas.microsoft.com/office/drawing/2014/main" id="{34AC474D-CEA8-645F-7907-2C55378744B3}"/>
               </a:ext>
             </a:extLst>
           </p:cNvPr>
@@ -3621,10 +3626,10 @@
         </p:nvSpPr>
         <p:spPr>
           <a:xfrm>
-            <a:off x="3765612" y="4999892"/>
-            <a:ext cx="8068322" cy="1650961"/>
-          </a:xfrm>
-          <a:prstGeom prst="rect">
+            <a:off x="1541736" y="145479"/>
+            <a:ext cx="343102" cy="343102"/>
+          </a:xfrm>
+          <a:prstGeom prst="ellipse">
             <a:avLst/>
           </a:prstGeom>
         </p:spPr>
@@ -3647,19 +3652,16 @@
           <a:lstStyle/>
           <a:p>
             <a:pPr algn="ctr"/>
-            <a:r>
-              <a:rPr lang="ko-KR" altLang="en-US" dirty="0"/>
-              <a:t>관련 설명</a:t>
-            </a:r>
-          </a:p>
-        </p:txBody>
-      </p:sp>
-      <p:sp>
-        <p:nvSpPr>
-          <p:cNvPr id="13" name="사각형: 둥근 모서리 12">
-            <a:extLst>
-              <a:ext uri="{FF2B5EF4-FFF2-40B4-BE49-F238E27FC236}">
-                <a16:creationId xmlns:a16="http://schemas.microsoft.com/office/drawing/2014/main" id="{B15E75E6-A44E-8388-7D95-E85198B2EF44}"/>
+            <a:endParaRPr lang="ko-KR" altLang="en-US"/>
+          </a:p>
+        </p:txBody>
+      </p:sp>
+      <p:sp>
+        <p:nvSpPr>
+          <p:cNvPr id="11" name="사각형: 둥근 모서리 10">
+            <a:extLst>
+              <a:ext uri="{FF2B5EF4-FFF2-40B4-BE49-F238E27FC236}">
+                <a16:creationId xmlns:a16="http://schemas.microsoft.com/office/drawing/2014/main" id="{0037615F-38AD-6254-A3CB-2715FF3CFACF}"/>
               </a:ext>
             </a:extLst>
           </p:cNvPr>
@@ -3668,12 +3670,12 @@
         </p:nvSpPr>
         <p:spPr>
           <a:xfrm>
-            <a:off x="91738" y="102648"/>
-            <a:ext cx="485312" cy="451651"/>
+            <a:off x="3619744" y="95437"/>
+            <a:ext cx="1910179" cy="451651"/>
           </a:xfrm>
           <a:prstGeom prst="roundRect">
             <a:avLst>
-              <a:gd name="adj" fmla="val 4537"/>
+              <a:gd name="adj" fmla="val 50000"/>
             </a:avLst>
           </a:prstGeom>
         </p:spPr>
@@ -3698,17 +3700,17 @@
             <a:pPr algn="ctr"/>
             <a:r>
               <a:rPr lang="ko-KR" altLang="en-US" sz="1100" dirty="0"/>
-              <a:t>로고</a:t>
-            </a:r>
-          </a:p>
-        </p:txBody>
-      </p:sp>
-      <p:sp>
-        <p:nvSpPr>
-          <p:cNvPr id="14" name="사각형: 둥근 모서리 13">
-            <a:extLst>
-              <a:ext uri="{FF2B5EF4-FFF2-40B4-BE49-F238E27FC236}">
-                <a16:creationId xmlns:a16="http://schemas.microsoft.com/office/drawing/2014/main" id="{E9088B61-597A-6E87-1A8F-6954AB533F50}"/>
+              <a:t>이전 영상</a:t>
+            </a:r>
+          </a:p>
+        </p:txBody>
+      </p:sp>
+      <p:sp>
+        <p:nvSpPr>
+          <p:cNvPr id="3" name="곱하기 기호 2">
+            <a:extLst>
+              <a:ext uri="{FF2B5EF4-FFF2-40B4-BE49-F238E27FC236}">
+                <a16:creationId xmlns:a16="http://schemas.microsoft.com/office/drawing/2014/main" id="{7B09A7C4-3D3D-01D8-533C-FDACE5B7E4F7}"/>
               </a:ext>
             </a:extLst>
           </p:cNvPr>
@@ -3717,12 +3719,12 @@
         </p:nvSpPr>
         <p:spPr>
           <a:xfrm>
-            <a:off x="170895" y="4210605"/>
-            <a:ext cx="3147134" cy="2440248"/>
-          </a:xfrm>
-          <a:prstGeom prst="roundRect">
+            <a:off x="1614502" y="225845"/>
+            <a:ext cx="197569" cy="197569"/>
+          </a:xfrm>
+          <a:prstGeom prst="mathMultiply">
             <a:avLst>
-              <a:gd name="adj" fmla="val 4537"/>
+              <a:gd name="adj1" fmla="val 12545"/>
             </a:avLst>
           </a:prstGeom>
         </p:spPr>
@@ -3745,16 +3747,16 @@
           <a:lstStyle/>
           <a:p>
             <a:pPr algn="ctr"/>
-            <a:endParaRPr lang="ko-KR" altLang="en-US" dirty="0"/>
-          </a:p>
-        </p:txBody>
-      </p:sp>
-      <p:sp>
-        <p:nvSpPr>
-          <p:cNvPr id="15" name="직사각형 14">
-            <a:extLst>
-              <a:ext uri="{FF2B5EF4-FFF2-40B4-BE49-F238E27FC236}">
-                <a16:creationId xmlns:a16="http://schemas.microsoft.com/office/drawing/2014/main" id="{8CEAB26E-07AC-CDE9-FFA2-17F50B321023}"/>
+            <a:endParaRPr lang="ko-KR" altLang="en-US"/>
+          </a:p>
+        </p:txBody>
+      </p:sp>
+      <p:sp>
+        <p:nvSpPr>
+          <p:cNvPr id="27" name="타원 26">
+            <a:extLst>
+              <a:ext uri="{FF2B5EF4-FFF2-40B4-BE49-F238E27FC236}">
+                <a16:creationId xmlns:a16="http://schemas.microsoft.com/office/drawing/2014/main" id="{104F8BDF-2D95-8C1C-745A-439D78FC7C49}"/>
               </a:ext>
             </a:extLst>
           </p:cNvPr>
@@ -3763,10 +3765,10 @@
         </p:nvSpPr>
         <p:spPr>
           <a:xfrm>
-            <a:off x="170896" y="2474652"/>
-            <a:ext cx="3147134" cy="488272"/>
-          </a:xfrm>
-          <a:prstGeom prst="rect">
+            <a:off x="3692846" y="145479"/>
+            <a:ext cx="343102" cy="343102"/>
+          </a:xfrm>
+          <a:prstGeom prst="ellipse">
             <a:avLst/>
           </a:prstGeom>
         </p:spPr>
@@ -3795,10 +3797,10 @@
       </p:sp>
       <p:sp>
         <p:nvSpPr>
-          <p:cNvPr id="16" name="직사각형 15">
-            <a:extLst>
-              <a:ext uri="{FF2B5EF4-FFF2-40B4-BE49-F238E27FC236}">
-                <a16:creationId xmlns:a16="http://schemas.microsoft.com/office/drawing/2014/main" id="{1B1CD589-92AD-A390-77A0-24B6A1D18D10}"/>
+          <p:cNvPr id="29" name="화살표: 왼쪽 28">
+            <a:extLst>
+              <a:ext uri="{FF2B5EF4-FFF2-40B4-BE49-F238E27FC236}">
+                <a16:creationId xmlns:a16="http://schemas.microsoft.com/office/drawing/2014/main" id="{79C2F660-5DA9-801E-0E9F-23D1E4C00386}"/>
               </a:ext>
             </a:extLst>
           </p:cNvPr>
@@ -3807,11 +3809,14 @@
         </p:nvSpPr>
         <p:spPr>
           <a:xfrm>
-            <a:off x="170895" y="2962924"/>
-            <a:ext cx="3147134" cy="488272"/>
-          </a:xfrm>
-          <a:prstGeom prst="rect">
-            <a:avLst/>
+            <a:off x="3807899" y="279723"/>
+            <a:ext cx="112996" cy="74613"/>
+          </a:xfrm>
+          <a:prstGeom prst="leftArrow">
+            <a:avLst>
+              <a:gd name="adj1" fmla="val 28726"/>
+              <a:gd name="adj2" fmla="val 50000"/>
+            </a:avLst>
           </a:prstGeom>
         </p:spPr>
         <p:style>
@@ -3839,172 +3844,10 @@
       </p:sp>
       <p:sp>
         <p:nvSpPr>
-          <p:cNvPr id="17" name="TextBox 16">
-            <a:extLst>
-              <a:ext uri="{FF2B5EF4-FFF2-40B4-BE49-F238E27FC236}">
-                <a16:creationId xmlns:a16="http://schemas.microsoft.com/office/drawing/2014/main" id="{F3048C82-7FB2-DFC8-D2FA-21F6F8CCF403}"/>
-              </a:ext>
-            </a:extLst>
-          </p:cNvPr>
-          <p:cNvSpPr txBox="1"/>
-          <p:nvPr/>
-        </p:nvSpPr>
-        <p:spPr>
-          <a:xfrm>
-            <a:off x="260410" y="2029860"/>
-            <a:ext cx="1910179" cy="369332"/>
-          </a:xfrm>
-          <a:prstGeom prst="rect">
-            <a:avLst/>
-          </a:prstGeom>
-          <a:noFill/>
-        </p:spPr>
-        <p:txBody>
-          <a:bodyPr wrap="square" rtlCol="0">
-            <a:spAutoFit/>
-          </a:bodyPr>
-          <a:lstStyle/>
-          <a:p>
-            <a:r>
-              <a:rPr lang="en-US" altLang="ko-KR" dirty="0"/>
-              <a:t>#1 </a:t>
-            </a:r>
-            <a:r>
-              <a:rPr lang="ko-KR" altLang="en-US" dirty="0"/>
-              <a:t>코바늘 기초</a:t>
-            </a:r>
-          </a:p>
-        </p:txBody>
-      </p:sp>
-      <p:sp>
-        <p:nvSpPr>
-          <p:cNvPr id="18" name="TextBox 17">
-            <a:extLst>
-              <a:ext uri="{FF2B5EF4-FFF2-40B4-BE49-F238E27FC236}">
-                <a16:creationId xmlns:a16="http://schemas.microsoft.com/office/drawing/2014/main" id="{F2096466-13F9-5E15-4EFD-82F573E398C2}"/>
-              </a:ext>
-            </a:extLst>
-          </p:cNvPr>
-          <p:cNvSpPr txBox="1"/>
-          <p:nvPr/>
-        </p:nvSpPr>
-        <p:spPr>
-          <a:xfrm>
-            <a:off x="260409" y="2534122"/>
-            <a:ext cx="1910179" cy="369332"/>
-          </a:xfrm>
-          <a:prstGeom prst="rect">
-            <a:avLst/>
-          </a:prstGeom>
-          <a:noFill/>
-        </p:spPr>
-        <p:txBody>
-          <a:bodyPr wrap="square" rtlCol="0">
-            <a:spAutoFit/>
-          </a:bodyPr>
-          <a:lstStyle/>
-          <a:p>
-            <a:r>
-              <a:rPr lang="en-US" altLang="ko-KR" dirty="0"/>
-              <a:t>#1.0 </a:t>
-            </a:r>
-            <a:r>
-              <a:rPr lang="ko-KR" altLang="en-US" dirty="0"/>
-              <a:t>짧은 뜨기</a:t>
-            </a:r>
-          </a:p>
-        </p:txBody>
-      </p:sp>
-      <p:sp>
-        <p:nvSpPr>
-          <p:cNvPr id="19" name="TextBox 18">
-            <a:extLst>
-              <a:ext uri="{FF2B5EF4-FFF2-40B4-BE49-F238E27FC236}">
-                <a16:creationId xmlns:a16="http://schemas.microsoft.com/office/drawing/2014/main" id="{54226A98-0A90-B5CB-3A0B-566B06603AF9}"/>
-              </a:ext>
-            </a:extLst>
-          </p:cNvPr>
-          <p:cNvSpPr txBox="1"/>
-          <p:nvPr/>
-        </p:nvSpPr>
-        <p:spPr>
-          <a:xfrm>
-            <a:off x="260409" y="3032766"/>
-            <a:ext cx="1910179" cy="369332"/>
-          </a:xfrm>
-          <a:prstGeom prst="rect">
-            <a:avLst/>
-          </a:prstGeom>
-          <a:noFill/>
-        </p:spPr>
-        <p:txBody>
-          <a:bodyPr wrap="square" rtlCol="0">
-            <a:spAutoFit/>
-          </a:bodyPr>
-          <a:lstStyle/>
-          <a:p>
-            <a:r>
-              <a:rPr lang="en-US" altLang="ko-KR" dirty="0"/>
-              <a:t>#</a:t>
-            </a:r>
-            <a:r>
-              <a:rPr lang="en-US" altLang="ko-KR"/>
-              <a:t>1.1 </a:t>
-            </a:r>
-            <a:r>
-              <a:rPr lang="ko-KR" altLang="en-US" dirty="0" err="1"/>
-              <a:t>한길긴뜨기</a:t>
-            </a:r>
-            <a:endParaRPr lang="ko-KR" altLang="en-US" dirty="0"/>
-          </a:p>
-        </p:txBody>
-      </p:sp>
-      <p:sp>
-        <p:nvSpPr>
-          <p:cNvPr id="20" name="TextBox 19">
-            <a:extLst>
-              <a:ext uri="{FF2B5EF4-FFF2-40B4-BE49-F238E27FC236}">
-                <a16:creationId xmlns:a16="http://schemas.microsoft.com/office/drawing/2014/main" id="{6EAB706A-C3CD-B77A-6DBE-3E5B58B5EFD7}"/>
-              </a:ext>
-            </a:extLst>
-          </p:cNvPr>
-          <p:cNvSpPr txBox="1"/>
-          <p:nvPr/>
-        </p:nvSpPr>
-        <p:spPr>
-          <a:xfrm>
-            <a:off x="260408" y="3576140"/>
-            <a:ext cx="1910179" cy="369332"/>
-          </a:xfrm>
-          <a:prstGeom prst="rect">
-            <a:avLst/>
-          </a:prstGeom>
-          <a:noFill/>
-        </p:spPr>
-        <p:txBody>
-          <a:bodyPr wrap="square" rtlCol="0">
-            <a:spAutoFit/>
-          </a:bodyPr>
-          <a:lstStyle/>
-          <a:p>
-            <a:r>
-              <a:rPr lang="en-US" altLang="ko-KR" dirty="0"/>
-              <a:t>#1.2 </a:t>
-            </a:r>
-            <a:r>
-              <a:rPr lang="ko-KR" altLang="en-US" dirty="0" err="1"/>
-              <a:t>코줄이기</a:t>
-            </a:r>
-            <a:endParaRPr lang="ko-KR" altLang="en-US" dirty="0"/>
-          </a:p>
-        </p:txBody>
-      </p:sp>
-      <p:sp>
-        <p:nvSpPr>
-          <p:cNvPr id="21" name="직사각형 20">
-            <a:extLst>
-              <a:ext uri="{FF2B5EF4-FFF2-40B4-BE49-F238E27FC236}">
-                <a16:creationId xmlns:a16="http://schemas.microsoft.com/office/drawing/2014/main" id="{6F3F1EA2-2A31-9D9C-6D74-DF309A7740D7}"/>
+          <p:cNvPr id="30" name="사각형: 둥근 모서리 29">
+            <a:extLst>
+              <a:ext uri="{FF2B5EF4-FFF2-40B4-BE49-F238E27FC236}">
+                <a16:creationId xmlns:a16="http://schemas.microsoft.com/office/drawing/2014/main" id="{74E7483A-F79C-A3CF-7B92-FF25BE8E120B}"/>
               </a:ext>
             </a:extLst>
           </p:cNvPr>
@@ -4013,11 +3856,13 @@
         </p:nvSpPr>
         <p:spPr>
           <a:xfrm>
-            <a:off x="170896" y="4702947"/>
-            <a:ext cx="3147134" cy="488272"/>
-          </a:xfrm>
-          <a:prstGeom prst="rect">
-            <a:avLst/>
+            <a:off x="10124004" y="102648"/>
+            <a:ext cx="1910179" cy="451651"/>
+          </a:xfrm>
+          <a:prstGeom prst="roundRect">
+            <a:avLst>
+              <a:gd name="adj" fmla="val 50000"/>
+            </a:avLst>
           </a:prstGeom>
         </p:spPr>
         <p:style>
@@ -4039,16 +3884,23 @@
           <a:lstStyle/>
           <a:p>
             <a:pPr algn="ctr"/>
-            <a:endParaRPr lang="ko-KR" altLang="en-US"/>
-          </a:p>
-        </p:txBody>
-      </p:sp>
-      <p:sp>
-        <p:nvSpPr>
-          <p:cNvPr id="22" name="직사각형 21">
-            <a:extLst>
-              <a:ext uri="{FF2B5EF4-FFF2-40B4-BE49-F238E27FC236}">
-                <a16:creationId xmlns:a16="http://schemas.microsoft.com/office/drawing/2014/main" id="{4346F2A7-A5C5-8AAA-76C6-CFFB93FB1844}"/>
+            <a:r>
+              <a:rPr lang="ko-KR" altLang="en-US" sz="1100"/>
+              <a:t>다음 </a:t>
+            </a:r>
+            <a:r>
+              <a:rPr lang="ko-KR" altLang="en-US" sz="1100" dirty="0"/>
+              <a:t>영상</a:t>
+            </a:r>
+          </a:p>
+        </p:txBody>
+      </p:sp>
+      <p:sp>
+        <p:nvSpPr>
+          <p:cNvPr id="31" name="타원 30">
+            <a:extLst>
+              <a:ext uri="{FF2B5EF4-FFF2-40B4-BE49-F238E27FC236}">
+                <a16:creationId xmlns:a16="http://schemas.microsoft.com/office/drawing/2014/main" id="{75978EC6-B39E-EFB8-003C-582ABCA06BBD}"/>
               </a:ext>
             </a:extLst>
           </p:cNvPr>
@@ -4056,11 +3908,11 @@
           <p:nvPr/>
         </p:nvSpPr>
         <p:spPr>
-          <a:xfrm>
-            <a:off x="170895" y="5191219"/>
-            <a:ext cx="3147134" cy="488272"/>
-          </a:xfrm>
-          <a:prstGeom prst="rect">
+          <a:xfrm flipH="1">
+            <a:off x="11619506" y="145479"/>
+            <a:ext cx="343102" cy="343102"/>
+          </a:xfrm>
+          <a:prstGeom prst="ellipse">
             <a:avLst/>
           </a:prstGeom>
         </p:spPr>
@@ -4089,10 +3941,10 @@
       </p:sp>
       <p:sp>
         <p:nvSpPr>
-          <p:cNvPr id="23" name="직사각형 22">
-            <a:extLst>
-              <a:ext uri="{FF2B5EF4-FFF2-40B4-BE49-F238E27FC236}">
-                <a16:creationId xmlns:a16="http://schemas.microsoft.com/office/drawing/2014/main" id="{74F9ED67-8CB1-6AC5-D128-B68192E89EA2}"/>
+          <p:cNvPr id="32" name="화살표: 왼쪽 31">
+            <a:extLst>
+              <a:ext uri="{FF2B5EF4-FFF2-40B4-BE49-F238E27FC236}">
+                <a16:creationId xmlns:a16="http://schemas.microsoft.com/office/drawing/2014/main" id="{7AC05633-1EFD-3561-B599-F2944966F9A3}"/>
               </a:ext>
             </a:extLst>
           </p:cNvPr>
@@ -4100,12 +3952,15 @@
           <p:nvPr/>
         </p:nvSpPr>
         <p:spPr>
-          <a:xfrm>
-            <a:off x="170895" y="5679491"/>
-            <a:ext cx="3147134" cy="488272"/>
-          </a:xfrm>
-          <a:prstGeom prst="rect">
-            <a:avLst/>
+          <a:xfrm flipH="1">
+            <a:off x="11734559" y="279723"/>
+            <a:ext cx="112996" cy="74613"/>
+          </a:xfrm>
+          <a:prstGeom prst="leftArrow">
+            <a:avLst>
+              <a:gd name="adj1" fmla="val 28726"/>
+              <a:gd name="adj2" fmla="val 50000"/>
+            </a:avLst>
           </a:prstGeom>
         </p:spPr>
         <p:style>
@@ -4133,49 +3988,10 @@
       </p:sp>
       <p:sp>
         <p:nvSpPr>
-          <p:cNvPr id="24" name="TextBox 23">
-            <a:extLst>
-              <a:ext uri="{FF2B5EF4-FFF2-40B4-BE49-F238E27FC236}">
-                <a16:creationId xmlns:a16="http://schemas.microsoft.com/office/drawing/2014/main" id="{2FCC051E-8D71-B751-781C-1AE7CA7E81F5}"/>
-              </a:ext>
-            </a:extLst>
-          </p:cNvPr>
-          <p:cNvSpPr txBox="1"/>
-          <p:nvPr/>
-        </p:nvSpPr>
-        <p:spPr>
-          <a:xfrm>
-            <a:off x="260408" y="4284517"/>
-            <a:ext cx="1910179" cy="369332"/>
-          </a:xfrm>
-          <a:prstGeom prst="rect">
-            <a:avLst/>
-          </a:prstGeom>
-          <a:noFill/>
-        </p:spPr>
-        <p:txBody>
-          <a:bodyPr wrap="square" rtlCol="0">
-            <a:spAutoFit/>
-          </a:bodyPr>
-          <a:lstStyle/>
-          <a:p>
-            <a:r>
-              <a:rPr lang="en-US" altLang="ko-KR" dirty="0"/>
-              <a:t>#2 </a:t>
-            </a:r>
-            <a:r>
-              <a:rPr lang="ko-KR" altLang="en-US" dirty="0"/>
-              <a:t>코바늘 고급</a:t>
-            </a:r>
-          </a:p>
-        </p:txBody>
-      </p:sp>
-      <p:sp>
-        <p:nvSpPr>
-          <p:cNvPr id="2" name="사각형: 둥근 모서리 1">
-            <a:extLst>
-              <a:ext uri="{FF2B5EF4-FFF2-40B4-BE49-F238E27FC236}">
-                <a16:creationId xmlns:a16="http://schemas.microsoft.com/office/drawing/2014/main" id="{74FDBC93-2A56-5A99-9E4C-BF2CFCEE7ED6}"/>
+          <p:cNvPr id="9" name="사각형: 둥근 모서리 8">
+            <a:extLst>
+              <a:ext uri="{FF2B5EF4-FFF2-40B4-BE49-F238E27FC236}">
+                <a16:creationId xmlns:a16="http://schemas.microsoft.com/office/drawing/2014/main" id="{85DA9626-698D-8029-D091-604E9EB4A2B4}"/>
               </a:ext>
             </a:extLst>
           </p:cNvPr>
@@ -4184,7 +4000,7 @@
         </p:nvSpPr>
         <p:spPr>
           <a:xfrm>
-            <a:off x="1458095" y="95437"/>
+            <a:off x="5140910" y="6192228"/>
             <a:ext cx="1910179" cy="451651"/>
           </a:xfrm>
           <a:prstGeom prst="roundRect">
@@ -4214,17 +4030,47 @@
             <a:pPr algn="ctr"/>
             <a:r>
               <a:rPr lang="ko-KR" altLang="en-US" sz="1100" dirty="0"/>
-              <a:t>메뉴 숨기기</a:t>
-            </a:r>
-          </a:p>
-        </p:txBody>
-      </p:sp>
-      <p:sp>
-        <p:nvSpPr>
-          <p:cNvPr id="26" name="타원 25">
-            <a:extLst>
-              <a:ext uri="{FF2B5EF4-FFF2-40B4-BE49-F238E27FC236}">
-                <a16:creationId xmlns:a16="http://schemas.microsoft.com/office/drawing/2014/main" id="{34AC474D-CEA8-645F-7907-2C55378744B3}"/>
+              <a:t>관련영상보기 ▼</a:t>
+            </a:r>
+          </a:p>
+        </p:txBody>
+      </p:sp>
+    </p:spTree>
+    <p:extLst>
+      <p:ext uri="{BB962C8B-B14F-4D97-AF65-F5344CB8AC3E}">
+        <p14:creationId xmlns:p14="http://schemas.microsoft.com/office/powerpoint/2010/main" val="3478760063"/>
+      </p:ext>
+    </p:extLst>
+  </p:cSld>
+  <p:clrMapOvr>
+    <a:masterClrMapping/>
+  </p:clrMapOvr>
+</p:sld>
+</file>
+
+<file path=ppt/slides/slide2.xml><?xml version="1.0" encoding="utf-8"?>
+<p:sld xmlns:a="http://schemas.openxmlformats.org/drawingml/2006/main" xmlns:r="http://schemas.openxmlformats.org/officeDocument/2006/relationships" xmlns:p="http://schemas.openxmlformats.org/presentationml/2006/main">
+  <p:cSld>
+    <p:spTree>
+      <p:nvGrpSpPr>
+        <p:cNvPr id="1" name=""/>
+        <p:cNvGrpSpPr/>
+        <p:nvPr/>
+      </p:nvGrpSpPr>
+      <p:grpSpPr>
+        <a:xfrm>
+          <a:off x="0" y="0"/>
+          <a:ext cx="0" cy="0"/>
+          <a:chOff x="0" y="0"/>
+          <a:chExt cx="0" cy="0"/>
+        </a:xfrm>
+      </p:grpSpPr>
+      <p:sp>
+        <p:nvSpPr>
+          <p:cNvPr id="6" name="직사각형 5">
+            <a:extLst>
+              <a:ext uri="{FF2B5EF4-FFF2-40B4-BE49-F238E27FC236}">
+                <a16:creationId xmlns:a16="http://schemas.microsoft.com/office/drawing/2014/main" id="{8D2B868A-4D70-CFE1-8792-F1EE36205341}"/>
               </a:ext>
             </a:extLst>
           </p:cNvPr>
@@ -4233,10 +4079,10 @@
         </p:nvSpPr>
         <p:spPr>
           <a:xfrm>
-            <a:off x="1541736" y="145479"/>
-            <a:ext cx="343102" cy="343102"/>
-          </a:xfrm>
-          <a:prstGeom prst="ellipse">
+            <a:off x="1" y="0"/>
+            <a:ext cx="12191999" cy="656948"/>
+          </a:xfrm>
+          <a:prstGeom prst="rect">
             <a:avLst/>
           </a:prstGeom>
         </p:spPr>
@@ -4265,10 +4111,10 @@
       </p:sp>
       <p:sp>
         <p:nvSpPr>
-          <p:cNvPr id="11" name="사각형: 둥근 모서리 10">
-            <a:extLst>
-              <a:ext uri="{FF2B5EF4-FFF2-40B4-BE49-F238E27FC236}">
-                <a16:creationId xmlns:a16="http://schemas.microsoft.com/office/drawing/2014/main" id="{0037615F-38AD-6254-A3CB-2715FF3CFACF}"/>
+          <p:cNvPr id="13" name="사각형: 둥근 모서리 12">
+            <a:extLst>
+              <a:ext uri="{FF2B5EF4-FFF2-40B4-BE49-F238E27FC236}">
+                <a16:creationId xmlns:a16="http://schemas.microsoft.com/office/drawing/2014/main" id="{B15E75E6-A44E-8388-7D95-E85198B2EF44}"/>
               </a:ext>
             </a:extLst>
           </p:cNvPr>
@@ -4277,12 +4123,12 @@
         </p:nvSpPr>
         <p:spPr>
           <a:xfrm>
-            <a:off x="3619744" y="95437"/>
-            <a:ext cx="1910179" cy="451651"/>
+            <a:off x="91738" y="102648"/>
+            <a:ext cx="485312" cy="451651"/>
           </a:xfrm>
           <a:prstGeom prst="roundRect">
             <a:avLst>
-              <a:gd name="adj" fmla="val 50000"/>
+              <a:gd name="adj" fmla="val 4537"/>
             </a:avLst>
           </a:prstGeom>
         </p:spPr>
@@ -4307,17 +4153,17 @@
             <a:pPr algn="ctr"/>
             <a:r>
               <a:rPr lang="ko-KR" altLang="en-US" sz="1100" dirty="0"/>
-              <a:t>이전 영상</a:t>
-            </a:r>
-          </a:p>
-        </p:txBody>
-      </p:sp>
-      <p:sp>
-        <p:nvSpPr>
-          <p:cNvPr id="3" name="곱하기 기호 2">
-            <a:extLst>
-              <a:ext uri="{FF2B5EF4-FFF2-40B4-BE49-F238E27FC236}">
-                <a16:creationId xmlns:a16="http://schemas.microsoft.com/office/drawing/2014/main" id="{7B09A7C4-3D3D-01D8-533C-FDACE5B7E4F7}"/>
+              <a:t>로고</a:t>
+            </a:r>
+          </a:p>
+        </p:txBody>
+      </p:sp>
+      <p:sp>
+        <p:nvSpPr>
+          <p:cNvPr id="2" name="사각형: 둥근 모서리 1">
+            <a:extLst>
+              <a:ext uri="{FF2B5EF4-FFF2-40B4-BE49-F238E27FC236}">
+                <a16:creationId xmlns:a16="http://schemas.microsoft.com/office/drawing/2014/main" id="{74FDBC93-2A56-5A99-9E4C-BF2CFCEE7ED6}"/>
               </a:ext>
             </a:extLst>
           </p:cNvPr>
@@ -4326,12 +4172,12 @@
         </p:nvSpPr>
         <p:spPr>
           <a:xfrm>
-            <a:off x="1614502" y="225845"/>
-            <a:ext cx="197569" cy="197569"/>
-          </a:xfrm>
-          <a:prstGeom prst="mathMultiply">
+            <a:off x="1458095" y="95437"/>
+            <a:ext cx="1910179" cy="451651"/>
+          </a:xfrm>
+          <a:prstGeom prst="roundRect">
             <a:avLst>
-              <a:gd name="adj1" fmla="val 12545"/>
+              <a:gd name="adj" fmla="val 50000"/>
             </a:avLst>
           </a:prstGeom>
         </p:spPr>
@@ -4354,16 +4200,19 @@
           <a:lstStyle/>
           <a:p>
             <a:pPr algn="ctr"/>
-            <a:endParaRPr lang="ko-KR" altLang="en-US"/>
-          </a:p>
-        </p:txBody>
-      </p:sp>
-      <p:sp>
-        <p:nvSpPr>
-          <p:cNvPr id="27" name="타원 26">
-            <a:extLst>
-              <a:ext uri="{FF2B5EF4-FFF2-40B4-BE49-F238E27FC236}">
-                <a16:creationId xmlns:a16="http://schemas.microsoft.com/office/drawing/2014/main" id="{104F8BDF-2D95-8C1C-745A-439D78FC7C49}"/>
+            <a:r>
+              <a:rPr lang="ko-KR" altLang="en-US" sz="1100" dirty="0"/>
+              <a:t>메뉴 펼치기</a:t>
+            </a:r>
+          </a:p>
+        </p:txBody>
+      </p:sp>
+      <p:sp>
+        <p:nvSpPr>
+          <p:cNvPr id="26" name="타원 25">
+            <a:extLst>
+              <a:ext uri="{FF2B5EF4-FFF2-40B4-BE49-F238E27FC236}">
+                <a16:creationId xmlns:a16="http://schemas.microsoft.com/office/drawing/2014/main" id="{34AC474D-CEA8-645F-7907-2C55378744B3}"/>
               </a:ext>
             </a:extLst>
           </p:cNvPr>
@@ -4372,7 +4221,7 @@
         </p:nvSpPr>
         <p:spPr>
           <a:xfrm>
-            <a:off x="3692846" y="145479"/>
+            <a:off x="1541736" y="145479"/>
             <a:ext cx="343102" cy="343102"/>
           </a:xfrm>
           <a:prstGeom prst="ellipse">
@@ -4404,6 +4253,145 @@
       </p:sp>
       <p:sp>
         <p:nvSpPr>
+          <p:cNvPr id="11" name="사각형: 둥근 모서리 10">
+            <a:extLst>
+              <a:ext uri="{FF2B5EF4-FFF2-40B4-BE49-F238E27FC236}">
+                <a16:creationId xmlns:a16="http://schemas.microsoft.com/office/drawing/2014/main" id="{0037615F-38AD-6254-A3CB-2715FF3CFACF}"/>
+              </a:ext>
+            </a:extLst>
+          </p:cNvPr>
+          <p:cNvSpPr/>
+          <p:nvPr/>
+        </p:nvSpPr>
+        <p:spPr>
+          <a:xfrm>
+            <a:off x="3619744" y="95437"/>
+            <a:ext cx="1910179" cy="451651"/>
+          </a:xfrm>
+          <a:prstGeom prst="roundRect">
+            <a:avLst>
+              <a:gd name="adj" fmla="val 50000"/>
+            </a:avLst>
+          </a:prstGeom>
+        </p:spPr>
+        <p:style>
+          <a:lnRef idx="2">
+            <a:schemeClr val="dk1"/>
+          </a:lnRef>
+          <a:fillRef idx="1">
+            <a:schemeClr val="lt1"/>
+          </a:fillRef>
+          <a:effectRef idx="0">
+            <a:schemeClr val="dk1"/>
+          </a:effectRef>
+          <a:fontRef idx="minor">
+            <a:schemeClr val="dk1"/>
+          </a:fontRef>
+        </p:style>
+        <p:txBody>
+          <a:bodyPr rtlCol="0" anchor="ctr"/>
+          <a:lstStyle/>
+          <a:p>
+            <a:pPr algn="ctr"/>
+            <a:r>
+              <a:rPr lang="ko-KR" altLang="en-US" sz="1100" dirty="0"/>
+              <a:t>이전 영상</a:t>
+            </a:r>
+          </a:p>
+        </p:txBody>
+      </p:sp>
+      <p:sp>
+        <p:nvSpPr>
+          <p:cNvPr id="3" name="곱하기 기호 2">
+            <a:extLst>
+              <a:ext uri="{FF2B5EF4-FFF2-40B4-BE49-F238E27FC236}">
+                <a16:creationId xmlns:a16="http://schemas.microsoft.com/office/drawing/2014/main" id="{7B09A7C4-3D3D-01D8-533C-FDACE5B7E4F7}"/>
+              </a:ext>
+            </a:extLst>
+          </p:cNvPr>
+          <p:cNvSpPr/>
+          <p:nvPr/>
+        </p:nvSpPr>
+        <p:spPr>
+          <a:xfrm>
+            <a:off x="1614502" y="225845"/>
+            <a:ext cx="197569" cy="197569"/>
+          </a:xfrm>
+          <a:prstGeom prst="mathMultiply">
+            <a:avLst>
+              <a:gd name="adj1" fmla="val 12545"/>
+            </a:avLst>
+          </a:prstGeom>
+        </p:spPr>
+        <p:style>
+          <a:lnRef idx="2">
+            <a:schemeClr val="dk1"/>
+          </a:lnRef>
+          <a:fillRef idx="1">
+            <a:schemeClr val="lt1"/>
+          </a:fillRef>
+          <a:effectRef idx="0">
+            <a:schemeClr val="dk1"/>
+          </a:effectRef>
+          <a:fontRef idx="minor">
+            <a:schemeClr val="dk1"/>
+          </a:fontRef>
+        </p:style>
+        <p:txBody>
+          <a:bodyPr rtlCol="0" anchor="ctr"/>
+          <a:lstStyle/>
+          <a:p>
+            <a:pPr algn="ctr"/>
+            <a:endParaRPr lang="ko-KR" altLang="en-US"/>
+          </a:p>
+        </p:txBody>
+      </p:sp>
+      <p:sp>
+        <p:nvSpPr>
+          <p:cNvPr id="27" name="타원 26">
+            <a:extLst>
+              <a:ext uri="{FF2B5EF4-FFF2-40B4-BE49-F238E27FC236}">
+                <a16:creationId xmlns:a16="http://schemas.microsoft.com/office/drawing/2014/main" id="{104F8BDF-2D95-8C1C-745A-439D78FC7C49}"/>
+              </a:ext>
+            </a:extLst>
+          </p:cNvPr>
+          <p:cNvSpPr/>
+          <p:nvPr/>
+        </p:nvSpPr>
+        <p:spPr>
+          <a:xfrm>
+            <a:off x="3692846" y="145479"/>
+            <a:ext cx="343102" cy="343102"/>
+          </a:xfrm>
+          <a:prstGeom prst="ellipse">
+            <a:avLst/>
+          </a:prstGeom>
+        </p:spPr>
+        <p:style>
+          <a:lnRef idx="2">
+            <a:schemeClr val="dk1"/>
+          </a:lnRef>
+          <a:fillRef idx="1">
+            <a:schemeClr val="lt1"/>
+          </a:fillRef>
+          <a:effectRef idx="0">
+            <a:schemeClr val="dk1"/>
+          </a:effectRef>
+          <a:fontRef idx="minor">
+            <a:schemeClr val="dk1"/>
+          </a:fontRef>
+        </p:style>
+        <p:txBody>
+          <a:bodyPr rtlCol="0" anchor="ctr"/>
+          <a:lstStyle/>
+          <a:p>
+            <a:pPr algn="ctr"/>
+            <a:endParaRPr lang="ko-KR" altLang="en-US"/>
+          </a:p>
+        </p:txBody>
+      </p:sp>
+      <p:sp>
+        <p:nvSpPr>
           <p:cNvPr id="29" name="화살표: 왼쪽 28">
             <a:extLst>
               <a:ext uri="{FF2B5EF4-FFF2-40B4-BE49-F238E27FC236}">
@@ -4593,10 +4581,2733 @@
           </a:p>
         </p:txBody>
       </p:sp>
+      <p:sp>
+        <p:nvSpPr>
+          <p:cNvPr id="4" name="직사각형 3">
+            <a:extLst>
+              <a:ext uri="{FF2B5EF4-FFF2-40B4-BE49-F238E27FC236}">
+                <a16:creationId xmlns:a16="http://schemas.microsoft.com/office/drawing/2014/main" id="{6019E0E7-946F-7710-5F82-369A7E78340D}"/>
+              </a:ext>
+            </a:extLst>
+          </p:cNvPr>
+          <p:cNvSpPr/>
+          <p:nvPr/>
+        </p:nvSpPr>
+        <p:spPr>
+          <a:xfrm>
+            <a:off x="2" y="1784412"/>
+            <a:ext cx="3488924" cy="5073588"/>
+          </a:xfrm>
+          <a:prstGeom prst="rect">
+            <a:avLst/>
+          </a:prstGeom>
+        </p:spPr>
+        <p:style>
+          <a:lnRef idx="2">
+            <a:schemeClr val="dk1"/>
+          </a:lnRef>
+          <a:fillRef idx="1">
+            <a:schemeClr val="lt1"/>
+          </a:fillRef>
+          <a:effectRef idx="0">
+            <a:schemeClr val="dk1"/>
+          </a:effectRef>
+          <a:fontRef idx="minor">
+            <a:schemeClr val="dk1"/>
+          </a:fontRef>
+        </p:style>
+        <p:txBody>
+          <a:bodyPr rtlCol="0" anchor="ctr"/>
+          <a:lstStyle/>
+          <a:p>
+            <a:pPr algn="ctr"/>
+            <a:endParaRPr lang="ko-KR" altLang="en-US"/>
+          </a:p>
+        </p:txBody>
+      </p:sp>
+      <p:sp>
+        <p:nvSpPr>
+          <p:cNvPr id="7" name="직사각형 6">
+            <a:extLst>
+              <a:ext uri="{FF2B5EF4-FFF2-40B4-BE49-F238E27FC236}">
+                <a16:creationId xmlns:a16="http://schemas.microsoft.com/office/drawing/2014/main" id="{F4310087-7476-0BB9-C031-0D4026726B2A}"/>
+              </a:ext>
+            </a:extLst>
+          </p:cNvPr>
+          <p:cNvSpPr/>
+          <p:nvPr/>
+        </p:nvSpPr>
+        <p:spPr>
+          <a:xfrm>
+            <a:off x="0" y="656948"/>
+            <a:ext cx="3488924" cy="1127464"/>
+          </a:xfrm>
+          <a:prstGeom prst="rect">
+            <a:avLst/>
+          </a:prstGeom>
+        </p:spPr>
+        <p:style>
+          <a:lnRef idx="2">
+            <a:schemeClr val="dk1"/>
+          </a:lnRef>
+          <a:fillRef idx="1">
+            <a:schemeClr val="lt1"/>
+          </a:fillRef>
+          <a:effectRef idx="0">
+            <a:schemeClr val="dk1"/>
+          </a:effectRef>
+          <a:fontRef idx="minor">
+            <a:schemeClr val="dk1"/>
+          </a:fontRef>
+        </p:style>
+        <p:txBody>
+          <a:bodyPr rtlCol="0" anchor="ctr"/>
+          <a:lstStyle/>
+          <a:p>
+            <a:pPr algn="ctr"/>
+            <a:r>
+              <a:rPr lang="ko-KR" altLang="en-US" dirty="0"/>
+              <a:t>제작자 설명 및 출처</a:t>
+            </a:r>
+          </a:p>
+        </p:txBody>
+      </p:sp>
+      <p:sp>
+        <p:nvSpPr>
+          <p:cNvPr id="8" name="사각형: 둥근 모서리 7">
+            <a:extLst>
+              <a:ext uri="{FF2B5EF4-FFF2-40B4-BE49-F238E27FC236}">
+                <a16:creationId xmlns:a16="http://schemas.microsoft.com/office/drawing/2014/main" id="{2DB14339-B3F0-DBA0-AFD1-CA165ADB62C3}"/>
+              </a:ext>
+            </a:extLst>
+          </p:cNvPr>
+          <p:cNvSpPr/>
+          <p:nvPr/>
+        </p:nvSpPr>
+        <p:spPr>
+          <a:xfrm>
+            <a:off x="170895" y="1927564"/>
+            <a:ext cx="3147134" cy="2085143"/>
+          </a:xfrm>
+          <a:prstGeom prst="roundRect">
+            <a:avLst>
+              <a:gd name="adj" fmla="val 4537"/>
+            </a:avLst>
+          </a:prstGeom>
+        </p:spPr>
+        <p:style>
+          <a:lnRef idx="2">
+            <a:schemeClr val="dk1"/>
+          </a:lnRef>
+          <a:fillRef idx="1">
+            <a:schemeClr val="lt1"/>
+          </a:fillRef>
+          <a:effectRef idx="0">
+            <a:schemeClr val="dk1"/>
+          </a:effectRef>
+          <a:fontRef idx="minor">
+            <a:schemeClr val="dk1"/>
+          </a:fontRef>
+        </p:style>
+        <p:txBody>
+          <a:bodyPr rtlCol="0" anchor="ctr"/>
+          <a:lstStyle/>
+          <a:p>
+            <a:pPr algn="ctr"/>
+            <a:endParaRPr lang="ko-KR" altLang="en-US" dirty="0"/>
+          </a:p>
+        </p:txBody>
+      </p:sp>
+      <p:sp>
+        <p:nvSpPr>
+          <p:cNvPr id="14" name="사각형: 둥근 모서리 13">
+            <a:extLst>
+              <a:ext uri="{FF2B5EF4-FFF2-40B4-BE49-F238E27FC236}">
+                <a16:creationId xmlns:a16="http://schemas.microsoft.com/office/drawing/2014/main" id="{7A079675-346A-F80D-CB00-456E471CD524}"/>
+              </a:ext>
+            </a:extLst>
+          </p:cNvPr>
+          <p:cNvSpPr/>
+          <p:nvPr/>
+        </p:nvSpPr>
+        <p:spPr>
+          <a:xfrm>
+            <a:off x="170895" y="4210605"/>
+            <a:ext cx="3147134" cy="2440248"/>
+          </a:xfrm>
+          <a:prstGeom prst="roundRect">
+            <a:avLst>
+              <a:gd name="adj" fmla="val 4537"/>
+            </a:avLst>
+          </a:prstGeom>
+        </p:spPr>
+        <p:style>
+          <a:lnRef idx="2">
+            <a:schemeClr val="dk1"/>
+          </a:lnRef>
+          <a:fillRef idx="1">
+            <a:schemeClr val="lt1"/>
+          </a:fillRef>
+          <a:effectRef idx="0">
+            <a:schemeClr val="dk1"/>
+          </a:effectRef>
+          <a:fontRef idx="minor">
+            <a:schemeClr val="dk1"/>
+          </a:fontRef>
+        </p:style>
+        <p:txBody>
+          <a:bodyPr rtlCol="0" anchor="ctr"/>
+          <a:lstStyle/>
+          <a:p>
+            <a:pPr algn="ctr"/>
+            <a:endParaRPr lang="ko-KR" altLang="en-US" dirty="0"/>
+          </a:p>
+        </p:txBody>
+      </p:sp>
+      <p:sp>
+        <p:nvSpPr>
+          <p:cNvPr id="15" name="직사각형 14">
+            <a:extLst>
+              <a:ext uri="{FF2B5EF4-FFF2-40B4-BE49-F238E27FC236}">
+                <a16:creationId xmlns:a16="http://schemas.microsoft.com/office/drawing/2014/main" id="{F07C893C-35BE-4C15-214D-B0B50EBE5445}"/>
+              </a:ext>
+            </a:extLst>
+          </p:cNvPr>
+          <p:cNvSpPr/>
+          <p:nvPr/>
+        </p:nvSpPr>
+        <p:spPr>
+          <a:xfrm>
+            <a:off x="170896" y="2474652"/>
+            <a:ext cx="3147134" cy="488272"/>
+          </a:xfrm>
+          <a:prstGeom prst="rect">
+            <a:avLst/>
+          </a:prstGeom>
+        </p:spPr>
+        <p:style>
+          <a:lnRef idx="2">
+            <a:schemeClr val="dk1"/>
+          </a:lnRef>
+          <a:fillRef idx="1">
+            <a:schemeClr val="lt1"/>
+          </a:fillRef>
+          <a:effectRef idx="0">
+            <a:schemeClr val="dk1"/>
+          </a:effectRef>
+          <a:fontRef idx="minor">
+            <a:schemeClr val="dk1"/>
+          </a:fontRef>
+        </p:style>
+        <p:txBody>
+          <a:bodyPr rtlCol="0" anchor="ctr"/>
+          <a:lstStyle/>
+          <a:p>
+            <a:pPr algn="ctr"/>
+            <a:endParaRPr lang="ko-KR" altLang="en-US"/>
+          </a:p>
+        </p:txBody>
+      </p:sp>
+      <p:sp>
+        <p:nvSpPr>
+          <p:cNvPr id="16" name="직사각형 15">
+            <a:extLst>
+              <a:ext uri="{FF2B5EF4-FFF2-40B4-BE49-F238E27FC236}">
+                <a16:creationId xmlns:a16="http://schemas.microsoft.com/office/drawing/2014/main" id="{D837294F-3E86-AC68-4409-06A0D92A72A1}"/>
+              </a:ext>
+            </a:extLst>
+          </p:cNvPr>
+          <p:cNvSpPr/>
+          <p:nvPr/>
+        </p:nvSpPr>
+        <p:spPr>
+          <a:xfrm>
+            <a:off x="170895" y="2962924"/>
+            <a:ext cx="3147134" cy="488272"/>
+          </a:xfrm>
+          <a:prstGeom prst="rect">
+            <a:avLst/>
+          </a:prstGeom>
+        </p:spPr>
+        <p:style>
+          <a:lnRef idx="2">
+            <a:schemeClr val="dk1"/>
+          </a:lnRef>
+          <a:fillRef idx="1">
+            <a:schemeClr val="lt1"/>
+          </a:fillRef>
+          <a:effectRef idx="0">
+            <a:schemeClr val="dk1"/>
+          </a:effectRef>
+          <a:fontRef idx="minor">
+            <a:schemeClr val="dk1"/>
+          </a:fontRef>
+        </p:style>
+        <p:txBody>
+          <a:bodyPr rtlCol="0" anchor="ctr"/>
+          <a:lstStyle/>
+          <a:p>
+            <a:pPr algn="ctr"/>
+            <a:endParaRPr lang="ko-KR" altLang="en-US"/>
+          </a:p>
+        </p:txBody>
+      </p:sp>
+      <p:sp>
+        <p:nvSpPr>
+          <p:cNvPr id="17" name="TextBox 16">
+            <a:extLst>
+              <a:ext uri="{FF2B5EF4-FFF2-40B4-BE49-F238E27FC236}">
+                <a16:creationId xmlns:a16="http://schemas.microsoft.com/office/drawing/2014/main" id="{5A93C92C-F1C6-618A-92DE-1F74F86421BC}"/>
+              </a:ext>
+            </a:extLst>
+          </p:cNvPr>
+          <p:cNvSpPr txBox="1"/>
+          <p:nvPr/>
+        </p:nvSpPr>
+        <p:spPr>
+          <a:xfrm>
+            <a:off x="260410" y="2029860"/>
+            <a:ext cx="1910179" cy="369332"/>
+          </a:xfrm>
+          <a:prstGeom prst="rect">
+            <a:avLst/>
+          </a:prstGeom>
+          <a:noFill/>
+        </p:spPr>
+        <p:txBody>
+          <a:bodyPr wrap="square" rtlCol="0">
+            <a:spAutoFit/>
+          </a:bodyPr>
+          <a:lstStyle/>
+          <a:p>
+            <a:r>
+              <a:rPr lang="en-US" altLang="ko-KR" dirty="0"/>
+              <a:t>#1 </a:t>
+            </a:r>
+            <a:r>
+              <a:rPr lang="ko-KR" altLang="en-US" dirty="0"/>
+              <a:t>종류</a:t>
+            </a:r>
+          </a:p>
+        </p:txBody>
+      </p:sp>
+      <p:sp>
+        <p:nvSpPr>
+          <p:cNvPr id="18" name="TextBox 17">
+            <a:extLst>
+              <a:ext uri="{FF2B5EF4-FFF2-40B4-BE49-F238E27FC236}">
+                <a16:creationId xmlns:a16="http://schemas.microsoft.com/office/drawing/2014/main" id="{130D7E12-C77C-8255-ACC5-1AE906CFEACA}"/>
+              </a:ext>
+            </a:extLst>
+          </p:cNvPr>
+          <p:cNvSpPr txBox="1"/>
+          <p:nvPr/>
+        </p:nvSpPr>
+        <p:spPr>
+          <a:xfrm>
+            <a:off x="260409" y="2534122"/>
+            <a:ext cx="1910179" cy="369332"/>
+          </a:xfrm>
+          <a:prstGeom prst="rect">
+            <a:avLst/>
+          </a:prstGeom>
+          <a:noFill/>
+        </p:spPr>
+        <p:txBody>
+          <a:bodyPr wrap="square" rtlCol="0">
+            <a:spAutoFit/>
+          </a:bodyPr>
+          <a:lstStyle/>
+          <a:p>
+            <a:r>
+              <a:rPr lang="en-US" altLang="ko-KR" dirty="0"/>
+              <a:t>#1.1 </a:t>
+            </a:r>
+            <a:r>
+              <a:rPr lang="ko-KR" altLang="en-US" dirty="0"/>
+              <a:t>설명 </a:t>
+            </a:r>
+            <a:r>
+              <a:rPr lang="en-US" altLang="ko-KR" dirty="0"/>
+              <a:t>1</a:t>
+            </a:r>
+            <a:endParaRPr lang="ko-KR" altLang="en-US" dirty="0"/>
+          </a:p>
+        </p:txBody>
+      </p:sp>
+      <p:sp>
+        <p:nvSpPr>
+          <p:cNvPr id="19" name="TextBox 18">
+            <a:extLst>
+              <a:ext uri="{FF2B5EF4-FFF2-40B4-BE49-F238E27FC236}">
+                <a16:creationId xmlns:a16="http://schemas.microsoft.com/office/drawing/2014/main" id="{E4792F07-0F71-812D-644E-A4D4D62D3AA1}"/>
+              </a:ext>
+            </a:extLst>
+          </p:cNvPr>
+          <p:cNvSpPr txBox="1"/>
+          <p:nvPr/>
+        </p:nvSpPr>
+        <p:spPr>
+          <a:xfrm>
+            <a:off x="260409" y="3032766"/>
+            <a:ext cx="1910179" cy="369332"/>
+          </a:xfrm>
+          <a:prstGeom prst="rect">
+            <a:avLst/>
+          </a:prstGeom>
+          <a:noFill/>
+        </p:spPr>
+        <p:txBody>
+          <a:bodyPr wrap="square" rtlCol="0">
+            <a:spAutoFit/>
+          </a:bodyPr>
+          <a:lstStyle/>
+          <a:p>
+            <a:r>
+              <a:rPr lang="en-US" altLang="ko-KR" dirty="0"/>
+              <a:t>#1.2 </a:t>
+            </a:r>
+            <a:r>
+              <a:rPr lang="ko-KR" altLang="en-US" dirty="0"/>
+              <a:t>설명 </a:t>
+            </a:r>
+            <a:r>
+              <a:rPr lang="en-US" altLang="ko-KR" dirty="0"/>
+              <a:t>2</a:t>
+            </a:r>
+            <a:endParaRPr lang="ko-KR" altLang="en-US" dirty="0"/>
+          </a:p>
+        </p:txBody>
+      </p:sp>
+      <p:sp>
+        <p:nvSpPr>
+          <p:cNvPr id="20" name="TextBox 19">
+            <a:extLst>
+              <a:ext uri="{FF2B5EF4-FFF2-40B4-BE49-F238E27FC236}">
+                <a16:creationId xmlns:a16="http://schemas.microsoft.com/office/drawing/2014/main" id="{E2A93A64-1132-FDDB-03EF-B993D141CB4A}"/>
+              </a:ext>
+            </a:extLst>
+          </p:cNvPr>
+          <p:cNvSpPr txBox="1"/>
+          <p:nvPr/>
+        </p:nvSpPr>
+        <p:spPr>
+          <a:xfrm>
+            <a:off x="260408" y="3576140"/>
+            <a:ext cx="1910179" cy="369332"/>
+          </a:xfrm>
+          <a:prstGeom prst="rect">
+            <a:avLst/>
+          </a:prstGeom>
+          <a:noFill/>
+        </p:spPr>
+        <p:txBody>
+          <a:bodyPr wrap="square" rtlCol="0">
+            <a:spAutoFit/>
+          </a:bodyPr>
+          <a:lstStyle/>
+          <a:p>
+            <a:r>
+              <a:rPr lang="en-US" altLang="ko-KR" dirty="0"/>
+              <a:t>#1.3 </a:t>
+            </a:r>
+            <a:r>
+              <a:rPr lang="ko-KR" altLang="en-US" dirty="0"/>
+              <a:t>설명 </a:t>
+            </a:r>
+            <a:r>
+              <a:rPr lang="en-US" altLang="ko-KR" dirty="0"/>
+              <a:t>3</a:t>
+            </a:r>
+            <a:endParaRPr lang="ko-KR" altLang="en-US" dirty="0"/>
+          </a:p>
+        </p:txBody>
+      </p:sp>
+      <p:sp>
+        <p:nvSpPr>
+          <p:cNvPr id="21" name="직사각형 20">
+            <a:extLst>
+              <a:ext uri="{FF2B5EF4-FFF2-40B4-BE49-F238E27FC236}">
+                <a16:creationId xmlns:a16="http://schemas.microsoft.com/office/drawing/2014/main" id="{9D40D301-A095-CC8C-CE5C-828FDFD1D9C8}"/>
+              </a:ext>
+            </a:extLst>
+          </p:cNvPr>
+          <p:cNvSpPr/>
+          <p:nvPr/>
+        </p:nvSpPr>
+        <p:spPr>
+          <a:xfrm>
+            <a:off x="170896" y="4702947"/>
+            <a:ext cx="3147134" cy="488272"/>
+          </a:xfrm>
+          <a:prstGeom prst="rect">
+            <a:avLst/>
+          </a:prstGeom>
+        </p:spPr>
+        <p:style>
+          <a:lnRef idx="2">
+            <a:schemeClr val="dk1"/>
+          </a:lnRef>
+          <a:fillRef idx="1">
+            <a:schemeClr val="lt1"/>
+          </a:fillRef>
+          <a:effectRef idx="0">
+            <a:schemeClr val="dk1"/>
+          </a:effectRef>
+          <a:fontRef idx="minor">
+            <a:schemeClr val="dk1"/>
+          </a:fontRef>
+        </p:style>
+        <p:txBody>
+          <a:bodyPr rtlCol="0" anchor="ctr"/>
+          <a:lstStyle/>
+          <a:p>
+            <a:pPr algn="ctr"/>
+            <a:endParaRPr lang="ko-KR" altLang="en-US"/>
+          </a:p>
+        </p:txBody>
+      </p:sp>
+      <p:sp>
+        <p:nvSpPr>
+          <p:cNvPr id="22" name="직사각형 21">
+            <a:extLst>
+              <a:ext uri="{FF2B5EF4-FFF2-40B4-BE49-F238E27FC236}">
+                <a16:creationId xmlns:a16="http://schemas.microsoft.com/office/drawing/2014/main" id="{B7AFE841-4289-4759-F8B9-3C5710D8B6A8}"/>
+              </a:ext>
+            </a:extLst>
+          </p:cNvPr>
+          <p:cNvSpPr/>
+          <p:nvPr/>
+        </p:nvSpPr>
+        <p:spPr>
+          <a:xfrm>
+            <a:off x="170895" y="5191219"/>
+            <a:ext cx="3147134" cy="488272"/>
+          </a:xfrm>
+          <a:prstGeom prst="rect">
+            <a:avLst/>
+          </a:prstGeom>
+        </p:spPr>
+        <p:style>
+          <a:lnRef idx="2">
+            <a:schemeClr val="dk1"/>
+          </a:lnRef>
+          <a:fillRef idx="1">
+            <a:schemeClr val="lt1"/>
+          </a:fillRef>
+          <a:effectRef idx="0">
+            <a:schemeClr val="dk1"/>
+          </a:effectRef>
+          <a:fontRef idx="minor">
+            <a:schemeClr val="dk1"/>
+          </a:fontRef>
+        </p:style>
+        <p:txBody>
+          <a:bodyPr rtlCol="0" anchor="ctr"/>
+          <a:lstStyle/>
+          <a:p>
+            <a:pPr algn="ctr"/>
+            <a:endParaRPr lang="ko-KR" altLang="en-US"/>
+          </a:p>
+        </p:txBody>
+      </p:sp>
+      <p:sp>
+        <p:nvSpPr>
+          <p:cNvPr id="23" name="직사각형 22">
+            <a:extLst>
+              <a:ext uri="{FF2B5EF4-FFF2-40B4-BE49-F238E27FC236}">
+                <a16:creationId xmlns:a16="http://schemas.microsoft.com/office/drawing/2014/main" id="{3FBEE164-0CCB-49C1-10DD-1CB0F6AFA392}"/>
+              </a:ext>
+            </a:extLst>
+          </p:cNvPr>
+          <p:cNvSpPr/>
+          <p:nvPr/>
+        </p:nvSpPr>
+        <p:spPr>
+          <a:xfrm>
+            <a:off x="170895" y="5679491"/>
+            <a:ext cx="3147134" cy="488272"/>
+          </a:xfrm>
+          <a:prstGeom prst="rect">
+            <a:avLst/>
+          </a:prstGeom>
+        </p:spPr>
+        <p:style>
+          <a:lnRef idx="2">
+            <a:schemeClr val="dk1"/>
+          </a:lnRef>
+          <a:fillRef idx="1">
+            <a:schemeClr val="lt1"/>
+          </a:fillRef>
+          <a:effectRef idx="0">
+            <a:schemeClr val="dk1"/>
+          </a:effectRef>
+          <a:fontRef idx="minor">
+            <a:schemeClr val="dk1"/>
+          </a:fontRef>
+        </p:style>
+        <p:txBody>
+          <a:bodyPr rtlCol="0" anchor="ctr"/>
+          <a:lstStyle/>
+          <a:p>
+            <a:pPr algn="ctr"/>
+            <a:endParaRPr lang="ko-KR" altLang="en-US"/>
+          </a:p>
+        </p:txBody>
+      </p:sp>
+      <p:sp>
+        <p:nvSpPr>
+          <p:cNvPr id="24" name="TextBox 23">
+            <a:extLst>
+              <a:ext uri="{FF2B5EF4-FFF2-40B4-BE49-F238E27FC236}">
+                <a16:creationId xmlns:a16="http://schemas.microsoft.com/office/drawing/2014/main" id="{B2D049F2-E0DA-0ED7-2AFA-9881C2217B5D}"/>
+              </a:ext>
+            </a:extLst>
+          </p:cNvPr>
+          <p:cNvSpPr txBox="1"/>
+          <p:nvPr/>
+        </p:nvSpPr>
+        <p:spPr>
+          <a:xfrm>
+            <a:off x="260408" y="4284517"/>
+            <a:ext cx="1910179" cy="369332"/>
+          </a:xfrm>
+          <a:prstGeom prst="rect">
+            <a:avLst/>
+          </a:prstGeom>
+          <a:noFill/>
+        </p:spPr>
+        <p:txBody>
+          <a:bodyPr wrap="square" rtlCol="0">
+            <a:spAutoFit/>
+          </a:bodyPr>
+          <a:lstStyle/>
+          <a:p>
+            <a:r>
+              <a:rPr lang="en-US" altLang="ko-KR" dirty="0"/>
+              <a:t>#2 </a:t>
+            </a:r>
+            <a:r>
+              <a:rPr lang="ko-KR" altLang="en-US" dirty="0"/>
+              <a:t>종류</a:t>
+            </a:r>
+          </a:p>
+        </p:txBody>
+      </p:sp>
+      <p:sp>
+        <p:nvSpPr>
+          <p:cNvPr id="25" name="TextBox 24">
+            <a:extLst>
+              <a:ext uri="{FF2B5EF4-FFF2-40B4-BE49-F238E27FC236}">
+                <a16:creationId xmlns:a16="http://schemas.microsoft.com/office/drawing/2014/main" id="{7571ED74-8738-C376-62EB-3F44791EA10C}"/>
+              </a:ext>
+            </a:extLst>
+          </p:cNvPr>
+          <p:cNvSpPr txBox="1"/>
+          <p:nvPr/>
+        </p:nvSpPr>
+        <p:spPr>
+          <a:xfrm>
+            <a:off x="218792" y="4776762"/>
+            <a:ext cx="1910179" cy="369332"/>
+          </a:xfrm>
+          <a:prstGeom prst="rect">
+            <a:avLst/>
+          </a:prstGeom>
+          <a:noFill/>
+        </p:spPr>
+        <p:txBody>
+          <a:bodyPr wrap="square" rtlCol="0">
+            <a:spAutoFit/>
+          </a:bodyPr>
+          <a:lstStyle/>
+          <a:p>
+            <a:r>
+              <a:rPr lang="en-US" altLang="ko-KR" dirty="0"/>
+              <a:t>#2.1 </a:t>
+            </a:r>
+            <a:r>
+              <a:rPr lang="ko-KR" altLang="en-US" dirty="0"/>
+              <a:t>설명 </a:t>
+            </a:r>
+            <a:r>
+              <a:rPr lang="en-US" altLang="ko-KR" dirty="0"/>
+              <a:t>1</a:t>
+            </a:r>
+            <a:endParaRPr lang="ko-KR" altLang="en-US" dirty="0"/>
+          </a:p>
+        </p:txBody>
+      </p:sp>
+      <p:sp>
+        <p:nvSpPr>
+          <p:cNvPr id="28" name="TextBox 27">
+            <a:extLst>
+              <a:ext uri="{FF2B5EF4-FFF2-40B4-BE49-F238E27FC236}">
+                <a16:creationId xmlns:a16="http://schemas.microsoft.com/office/drawing/2014/main" id="{6A282650-6A3F-BD45-2A0E-EE27DBA90ACD}"/>
+              </a:ext>
+            </a:extLst>
+          </p:cNvPr>
+          <p:cNvSpPr txBox="1"/>
+          <p:nvPr/>
+        </p:nvSpPr>
+        <p:spPr>
+          <a:xfrm>
+            <a:off x="224895" y="5257801"/>
+            <a:ext cx="1910179" cy="369332"/>
+          </a:xfrm>
+          <a:prstGeom prst="rect">
+            <a:avLst/>
+          </a:prstGeom>
+          <a:noFill/>
+        </p:spPr>
+        <p:txBody>
+          <a:bodyPr wrap="square" rtlCol="0">
+            <a:spAutoFit/>
+          </a:bodyPr>
+          <a:lstStyle/>
+          <a:p>
+            <a:r>
+              <a:rPr lang="en-US" altLang="ko-KR" dirty="0"/>
+              <a:t>#2.2 </a:t>
+            </a:r>
+            <a:r>
+              <a:rPr lang="ko-KR" altLang="en-US" dirty="0"/>
+              <a:t>설명 </a:t>
+            </a:r>
+            <a:r>
+              <a:rPr lang="en-US" altLang="ko-KR" dirty="0"/>
+              <a:t>2</a:t>
+            </a:r>
+            <a:endParaRPr lang="ko-KR" altLang="en-US" dirty="0"/>
+          </a:p>
+        </p:txBody>
+      </p:sp>
+      <p:sp>
+        <p:nvSpPr>
+          <p:cNvPr id="33" name="TextBox 32">
+            <a:extLst>
+              <a:ext uri="{FF2B5EF4-FFF2-40B4-BE49-F238E27FC236}">
+                <a16:creationId xmlns:a16="http://schemas.microsoft.com/office/drawing/2014/main" id="{6351BC96-1F1A-89CF-60F2-D892A18D05A0}"/>
+              </a:ext>
+            </a:extLst>
+          </p:cNvPr>
+          <p:cNvSpPr txBox="1"/>
+          <p:nvPr/>
+        </p:nvSpPr>
+        <p:spPr>
+          <a:xfrm>
+            <a:off x="232476" y="5746073"/>
+            <a:ext cx="1910179" cy="369332"/>
+          </a:xfrm>
+          <a:prstGeom prst="rect">
+            <a:avLst/>
+          </a:prstGeom>
+          <a:noFill/>
+        </p:spPr>
+        <p:txBody>
+          <a:bodyPr wrap="square" rtlCol="0">
+            <a:spAutoFit/>
+          </a:bodyPr>
+          <a:lstStyle/>
+          <a:p>
+            <a:r>
+              <a:rPr lang="en-US" altLang="ko-KR" dirty="0"/>
+              <a:t>#2.3 </a:t>
+            </a:r>
+            <a:r>
+              <a:rPr lang="ko-KR" altLang="en-US" dirty="0"/>
+              <a:t>설명 </a:t>
+            </a:r>
+            <a:r>
+              <a:rPr lang="en-US" altLang="ko-KR" dirty="0"/>
+              <a:t>3</a:t>
+            </a:r>
+            <a:endParaRPr lang="ko-KR" altLang="en-US" dirty="0"/>
+          </a:p>
+        </p:txBody>
+      </p:sp>
+      <p:sp>
+        <p:nvSpPr>
+          <p:cNvPr id="34" name="TextBox 33">
+            <a:extLst>
+              <a:ext uri="{FF2B5EF4-FFF2-40B4-BE49-F238E27FC236}">
+                <a16:creationId xmlns:a16="http://schemas.microsoft.com/office/drawing/2014/main" id="{CF4A2DD9-8C67-ACF4-B0C4-9CC06A923BA5}"/>
+              </a:ext>
+            </a:extLst>
+          </p:cNvPr>
+          <p:cNvSpPr txBox="1"/>
+          <p:nvPr/>
+        </p:nvSpPr>
+        <p:spPr>
+          <a:xfrm>
+            <a:off x="260408" y="6219214"/>
+            <a:ext cx="1910179" cy="369332"/>
+          </a:xfrm>
+          <a:prstGeom prst="rect">
+            <a:avLst/>
+          </a:prstGeom>
+          <a:noFill/>
+        </p:spPr>
+        <p:txBody>
+          <a:bodyPr wrap="square" rtlCol="0">
+            <a:spAutoFit/>
+          </a:bodyPr>
+          <a:lstStyle/>
+          <a:p>
+            <a:r>
+              <a:rPr lang="en-US" altLang="ko-KR" dirty="0"/>
+              <a:t>#2.4 </a:t>
+            </a:r>
+            <a:r>
+              <a:rPr lang="ko-KR" altLang="en-US" dirty="0"/>
+              <a:t>설명 </a:t>
+            </a:r>
+            <a:r>
+              <a:rPr lang="en-US" altLang="ko-KR" dirty="0"/>
+              <a:t>4</a:t>
+            </a:r>
+            <a:endParaRPr lang="ko-KR" altLang="en-US" dirty="0"/>
+          </a:p>
+        </p:txBody>
+      </p:sp>
+      <p:sp>
+        <p:nvSpPr>
+          <p:cNvPr id="35" name="직사각형 34">
+            <a:extLst>
+              <a:ext uri="{FF2B5EF4-FFF2-40B4-BE49-F238E27FC236}">
+                <a16:creationId xmlns:a16="http://schemas.microsoft.com/office/drawing/2014/main" id="{C3B0AEDB-9693-00A5-5804-5DDA09944D96}"/>
+              </a:ext>
+            </a:extLst>
+          </p:cNvPr>
+          <p:cNvSpPr/>
+          <p:nvPr/>
+        </p:nvSpPr>
+        <p:spPr>
+          <a:xfrm>
+            <a:off x="3488921" y="656948"/>
+            <a:ext cx="8703079" cy="6201052"/>
+          </a:xfrm>
+          <a:prstGeom prst="rect">
+            <a:avLst/>
+          </a:prstGeom>
+        </p:spPr>
+        <p:style>
+          <a:lnRef idx="2">
+            <a:schemeClr val="dk1"/>
+          </a:lnRef>
+          <a:fillRef idx="1">
+            <a:schemeClr val="lt1"/>
+          </a:fillRef>
+          <a:effectRef idx="0">
+            <a:schemeClr val="dk1"/>
+          </a:effectRef>
+          <a:fontRef idx="minor">
+            <a:schemeClr val="dk1"/>
+          </a:fontRef>
+        </p:style>
+        <p:txBody>
+          <a:bodyPr rtlCol="0" anchor="ctr"/>
+          <a:lstStyle/>
+          <a:p>
+            <a:pPr algn="ctr"/>
+            <a:endParaRPr lang="ko-KR" altLang="en-US"/>
+          </a:p>
+        </p:txBody>
+      </p:sp>
+      <p:sp>
+        <p:nvSpPr>
+          <p:cNvPr id="36" name="직사각형 35">
+            <a:extLst>
+              <a:ext uri="{FF2B5EF4-FFF2-40B4-BE49-F238E27FC236}">
+                <a16:creationId xmlns:a16="http://schemas.microsoft.com/office/drawing/2014/main" id="{466B3288-9A57-2E37-871C-B98252CD30B6}"/>
+              </a:ext>
+            </a:extLst>
+          </p:cNvPr>
+          <p:cNvSpPr/>
+          <p:nvPr/>
+        </p:nvSpPr>
+        <p:spPr>
+          <a:xfrm>
+            <a:off x="3757476" y="1011284"/>
+            <a:ext cx="8068322" cy="3214826"/>
+          </a:xfrm>
+          <a:prstGeom prst="rect">
+            <a:avLst/>
+          </a:prstGeom>
+        </p:spPr>
+        <p:style>
+          <a:lnRef idx="2">
+            <a:schemeClr val="dk1"/>
+          </a:lnRef>
+          <a:fillRef idx="1">
+            <a:schemeClr val="lt1"/>
+          </a:fillRef>
+          <a:effectRef idx="0">
+            <a:schemeClr val="dk1"/>
+          </a:effectRef>
+          <a:fontRef idx="minor">
+            <a:schemeClr val="dk1"/>
+          </a:fontRef>
+        </p:style>
+        <p:txBody>
+          <a:bodyPr rtlCol="0" anchor="ctr"/>
+          <a:lstStyle/>
+          <a:p>
+            <a:pPr algn="ctr"/>
+            <a:r>
+              <a:rPr lang="en-US" altLang="ko-KR" dirty="0"/>
+              <a:t>YOUTUBE </a:t>
+            </a:r>
+            <a:r>
+              <a:rPr lang="ko-KR" altLang="en-US" dirty="0"/>
+              <a:t>영상</a:t>
+            </a:r>
+          </a:p>
+        </p:txBody>
+      </p:sp>
+      <p:sp>
+        <p:nvSpPr>
+          <p:cNvPr id="37" name="직사각형 36">
+            <a:extLst>
+              <a:ext uri="{FF2B5EF4-FFF2-40B4-BE49-F238E27FC236}">
+                <a16:creationId xmlns:a16="http://schemas.microsoft.com/office/drawing/2014/main" id="{5BB7659B-81B6-CD50-FF04-826728E5D82C}"/>
+              </a:ext>
+            </a:extLst>
+          </p:cNvPr>
+          <p:cNvSpPr/>
+          <p:nvPr/>
+        </p:nvSpPr>
+        <p:spPr>
+          <a:xfrm>
+            <a:off x="3757476" y="4335970"/>
+            <a:ext cx="8068322" cy="1650961"/>
+          </a:xfrm>
+          <a:prstGeom prst="rect">
+            <a:avLst/>
+          </a:prstGeom>
+        </p:spPr>
+        <p:style>
+          <a:lnRef idx="2">
+            <a:schemeClr val="dk1"/>
+          </a:lnRef>
+          <a:fillRef idx="1">
+            <a:schemeClr val="lt1"/>
+          </a:fillRef>
+          <a:effectRef idx="0">
+            <a:schemeClr val="dk1"/>
+          </a:effectRef>
+          <a:fontRef idx="minor">
+            <a:schemeClr val="dk1"/>
+          </a:fontRef>
+        </p:style>
+        <p:txBody>
+          <a:bodyPr rtlCol="0" anchor="ctr"/>
+          <a:lstStyle/>
+          <a:p>
+            <a:pPr algn="ctr"/>
+            <a:r>
+              <a:rPr lang="ko-KR" altLang="en-US" dirty="0"/>
+              <a:t>관련 설명</a:t>
+            </a:r>
+          </a:p>
+        </p:txBody>
+      </p:sp>
+      <p:sp>
+        <p:nvSpPr>
+          <p:cNvPr id="38" name="사각형: 둥근 모서리 37">
+            <a:extLst>
+              <a:ext uri="{FF2B5EF4-FFF2-40B4-BE49-F238E27FC236}">
+                <a16:creationId xmlns:a16="http://schemas.microsoft.com/office/drawing/2014/main" id="{F84CA1FA-97AC-B375-71DC-A10A51B373CC}"/>
+              </a:ext>
+            </a:extLst>
+          </p:cNvPr>
+          <p:cNvSpPr/>
+          <p:nvPr/>
+        </p:nvSpPr>
+        <p:spPr>
+          <a:xfrm>
+            <a:off x="6836547" y="6192228"/>
+            <a:ext cx="1910179" cy="451651"/>
+          </a:xfrm>
+          <a:prstGeom prst="roundRect">
+            <a:avLst>
+              <a:gd name="adj" fmla="val 50000"/>
+            </a:avLst>
+          </a:prstGeom>
+        </p:spPr>
+        <p:style>
+          <a:lnRef idx="2">
+            <a:schemeClr val="dk1"/>
+          </a:lnRef>
+          <a:fillRef idx="1">
+            <a:schemeClr val="lt1"/>
+          </a:fillRef>
+          <a:effectRef idx="0">
+            <a:schemeClr val="dk1"/>
+          </a:effectRef>
+          <a:fontRef idx="minor">
+            <a:schemeClr val="dk1"/>
+          </a:fontRef>
+        </p:style>
+        <p:txBody>
+          <a:bodyPr rtlCol="0" anchor="ctr"/>
+          <a:lstStyle/>
+          <a:p>
+            <a:pPr algn="ctr"/>
+            <a:r>
+              <a:rPr lang="ko-KR" altLang="en-US" sz="1100" dirty="0"/>
+              <a:t>관련영상보기 ▼</a:t>
+            </a:r>
+          </a:p>
+        </p:txBody>
+      </p:sp>
     </p:spTree>
     <p:extLst>
       <p:ext uri="{BB962C8B-B14F-4D97-AF65-F5344CB8AC3E}">
-        <p14:creationId xmlns:p14="http://schemas.microsoft.com/office/powerpoint/2010/main" val="3478760063"/>
+        <p14:creationId xmlns:p14="http://schemas.microsoft.com/office/powerpoint/2010/main" val="1740533827"/>
+      </p:ext>
+    </p:extLst>
+  </p:cSld>
+  <p:clrMapOvr>
+    <a:masterClrMapping/>
+  </p:clrMapOvr>
+</p:sld>
+</file>
+
+<file path=ppt/slides/slide3.xml><?xml version="1.0" encoding="utf-8"?>
+<p:sld xmlns:a="http://schemas.openxmlformats.org/drawingml/2006/main" xmlns:r="http://schemas.openxmlformats.org/officeDocument/2006/relationships" xmlns:p="http://schemas.openxmlformats.org/presentationml/2006/main">
+  <p:cSld>
+    <p:spTree>
+      <p:nvGrpSpPr>
+        <p:cNvPr id="1" name=""/>
+        <p:cNvGrpSpPr/>
+        <p:nvPr/>
+      </p:nvGrpSpPr>
+      <p:grpSpPr>
+        <a:xfrm>
+          <a:off x="0" y="0"/>
+          <a:ext cx="0" cy="0"/>
+          <a:chOff x="0" y="0"/>
+          <a:chExt cx="0" cy="0"/>
+        </a:xfrm>
+      </p:grpSpPr>
+      <p:sp>
+        <p:nvSpPr>
+          <p:cNvPr id="4" name="직사각형 3">
+            <a:extLst>
+              <a:ext uri="{FF2B5EF4-FFF2-40B4-BE49-F238E27FC236}">
+                <a16:creationId xmlns:a16="http://schemas.microsoft.com/office/drawing/2014/main" id="{AB1A3952-4006-B11C-1A54-C020EB04A4C9}"/>
+              </a:ext>
+            </a:extLst>
+          </p:cNvPr>
+          <p:cNvSpPr/>
+          <p:nvPr/>
+        </p:nvSpPr>
+        <p:spPr>
+          <a:xfrm>
+            <a:off x="2" y="1784412"/>
+            <a:ext cx="3488924" cy="5073588"/>
+          </a:xfrm>
+          <a:prstGeom prst="rect">
+            <a:avLst/>
+          </a:prstGeom>
+        </p:spPr>
+        <p:style>
+          <a:lnRef idx="2">
+            <a:schemeClr val="dk1"/>
+          </a:lnRef>
+          <a:fillRef idx="1">
+            <a:schemeClr val="lt1"/>
+          </a:fillRef>
+          <a:effectRef idx="0">
+            <a:schemeClr val="dk1"/>
+          </a:effectRef>
+          <a:fontRef idx="minor">
+            <a:schemeClr val="dk1"/>
+          </a:fontRef>
+        </p:style>
+        <p:txBody>
+          <a:bodyPr rtlCol="0" anchor="ctr"/>
+          <a:lstStyle/>
+          <a:p>
+            <a:pPr algn="ctr"/>
+            <a:endParaRPr lang="ko-KR" altLang="en-US"/>
+          </a:p>
+        </p:txBody>
+      </p:sp>
+      <p:sp>
+        <p:nvSpPr>
+          <p:cNvPr id="5" name="직사각형 4">
+            <a:extLst>
+              <a:ext uri="{FF2B5EF4-FFF2-40B4-BE49-F238E27FC236}">
+                <a16:creationId xmlns:a16="http://schemas.microsoft.com/office/drawing/2014/main" id="{678F752A-616D-BDCE-F469-A89102A51617}"/>
+              </a:ext>
+            </a:extLst>
+          </p:cNvPr>
+          <p:cNvSpPr/>
+          <p:nvPr/>
+        </p:nvSpPr>
+        <p:spPr>
+          <a:xfrm>
+            <a:off x="3488925" y="656948"/>
+            <a:ext cx="8703075" cy="6201052"/>
+          </a:xfrm>
+          <a:prstGeom prst="rect">
+            <a:avLst/>
+          </a:prstGeom>
+        </p:spPr>
+        <p:style>
+          <a:lnRef idx="2">
+            <a:schemeClr val="dk1"/>
+          </a:lnRef>
+          <a:fillRef idx="1">
+            <a:schemeClr val="lt1"/>
+          </a:fillRef>
+          <a:effectRef idx="0">
+            <a:schemeClr val="dk1"/>
+          </a:effectRef>
+          <a:fontRef idx="minor">
+            <a:schemeClr val="dk1"/>
+          </a:fontRef>
+        </p:style>
+        <p:txBody>
+          <a:bodyPr rtlCol="0" anchor="ctr"/>
+          <a:lstStyle/>
+          <a:p>
+            <a:pPr algn="ctr"/>
+            <a:endParaRPr lang="ko-KR" altLang="en-US"/>
+          </a:p>
+        </p:txBody>
+      </p:sp>
+      <p:sp>
+        <p:nvSpPr>
+          <p:cNvPr id="6" name="직사각형 5">
+            <a:extLst>
+              <a:ext uri="{FF2B5EF4-FFF2-40B4-BE49-F238E27FC236}">
+                <a16:creationId xmlns:a16="http://schemas.microsoft.com/office/drawing/2014/main" id="{8D2B868A-4D70-CFE1-8792-F1EE36205341}"/>
+              </a:ext>
+            </a:extLst>
+          </p:cNvPr>
+          <p:cNvSpPr/>
+          <p:nvPr/>
+        </p:nvSpPr>
+        <p:spPr>
+          <a:xfrm>
+            <a:off x="1" y="0"/>
+            <a:ext cx="12191999" cy="656948"/>
+          </a:xfrm>
+          <a:prstGeom prst="rect">
+            <a:avLst/>
+          </a:prstGeom>
+        </p:spPr>
+        <p:style>
+          <a:lnRef idx="2">
+            <a:schemeClr val="dk1"/>
+          </a:lnRef>
+          <a:fillRef idx="1">
+            <a:schemeClr val="lt1"/>
+          </a:fillRef>
+          <a:effectRef idx="0">
+            <a:schemeClr val="dk1"/>
+          </a:effectRef>
+          <a:fontRef idx="minor">
+            <a:schemeClr val="dk1"/>
+          </a:fontRef>
+        </p:style>
+        <p:txBody>
+          <a:bodyPr rtlCol="0" anchor="ctr"/>
+          <a:lstStyle/>
+          <a:p>
+            <a:pPr algn="ctr"/>
+            <a:endParaRPr lang="ko-KR" altLang="en-US"/>
+          </a:p>
+        </p:txBody>
+      </p:sp>
+      <p:sp>
+        <p:nvSpPr>
+          <p:cNvPr id="7" name="직사각형 6">
+            <a:extLst>
+              <a:ext uri="{FF2B5EF4-FFF2-40B4-BE49-F238E27FC236}">
+                <a16:creationId xmlns:a16="http://schemas.microsoft.com/office/drawing/2014/main" id="{8F3CD9B8-9925-34AD-31BF-4F51D8583230}"/>
+              </a:ext>
+            </a:extLst>
+          </p:cNvPr>
+          <p:cNvSpPr/>
+          <p:nvPr/>
+        </p:nvSpPr>
+        <p:spPr>
+          <a:xfrm>
+            <a:off x="0" y="656948"/>
+            <a:ext cx="3488924" cy="1127464"/>
+          </a:xfrm>
+          <a:prstGeom prst="rect">
+            <a:avLst/>
+          </a:prstGeom>
+        </p:spPr>
+        <p:style>
+          <a:lnRef idx="2">
+            <a:schemeClr val="dk1"/>
+          </a:lnRef>
+          <a:fillRef idx="1">
+            <a:schemeClr val="lt1"/>
+          </a:fillRef>
+          <a:effectRef idx="0">
+            <a:schemeClr val="dk1"/>
+          </a:effectRef>
+          <a:fontRef idx="minor">
+            <a:schemeClr val="dk1"/>
+          </a:fontRef>
+        </p:style>
+        <p:txBody>
+          <a:bodyPr rtlCol="0" anchor="ctr"/>
+          <a:lstStyle/>
+          <a:p>
+            <a:pPr algn="ctr"/>
+            <a:r>
+              <a:rPr lang="ko-KR" altLang="en-US" dirty="0"/>
+              <a:t>제작자 설명 및 출처</a:t>
+            </a:r>
+          </a:p>
+        </p:txBody>
+      </p:sp>
+      <p:sp>
+        <p:nvSpPr>
+          <p:cNvPr id="8" name="사각형: 둥근 모서리 7">
+            <a:extLst>
+              <a:ext uri="{FF2B5EF4-FFF2-40B4-BE49-F238E27FC236}">
+                <a16:creationId xmlns:a16="http://schemas.microsoft.com/office/drawing/2014/main" id="{9B314DF5-EFEA-186C-CFB7-F4F26768460F}"/>
+              </a:ext>
+            </a:extLst>
+          </p:cNvPr>
+          <p:cNvSpPr/>
+          <p:nvPr/>
+        </p:nvSpPr>
+        <p:spPr>
+          <a:xfrm>
+            <a:off x="170895" y="1927564"/>
+            <a:ext cx="3147134" cy="2085143"/>
+          </a:xfrm>
+          <a:prstGeom prst="roundRect">
+            <a:avLst>
+              <a:gd name="adj" fmla="val 4537"/>
+            </a:avLst>
+          </a:prstGeom>
+        </p:spPr>
+        <p:style>
+          <a:lnRef idx="2">
+            <a:schemeClr val="dk1"/>
+          </a:lnRef>
+          <a:fillRef idx="1">
+            <a:schemeClr val="lt1"/>
+          </a:fillRef>
+          <a:effectRef idx="0">
+            <a:schemeClr val="dk1"/>
+          </a:effectRef>
+          <a:fontRef idx="minor">
+            <a:schemeClr val="dk1"/>
+          </a:fontRef>
+        </p:style>
+        <p:txBody>
+          <a:bodyPr rtlCol="0" anchor="ctr"/>
+          <a:lstStyle/>
+          <a:p>
+            <a:pPr algn="ctr"/>
+            <a:endParaRPr lang="ko-KR" altLang="en-US" dirty="0"/>
+          </a:p>
+        </p:txBody>
+      </p:sp>
+      <p:sp>
+        <p:nvSpPr>
+          <p:cNvPr id="10" name="직사각형 9">
+            <a:extLst>
+              <a:ext uri="{FF2B5EF4-FFF2-40B4-BE49-F238E27FC236}">
+                <a16:creationId xmlns:a16="http://schemas.microsoft.com/office/drawing/2014/main" id="{AC615617-43C5-879F-45D9-BEC724380D76}"/>
+              </a:ext>
+            </a:extLst>
+          </p:cNvPr>
+          <p:cNvSpPr/>
+          <p:nvPr/>
+        </p:nvSpPr>
+        <p:spPr>
+          <a:xfrm>
+            <a:off x="3854822" y="3417905"/>
+            <a:ext cx="3910918" cy="1660126"/>
+          </a:xfrm>
+          <a:prstGeom prst="rect">
+            <a:avLst/>
+          </a:prstGeom>
+        </p:spPr>
+        <p:style>
+          <a:lnRef idx="2">
+            <a:schemeClr val="dk1"/>
+          </a:lnRef>
+          <a:fillRef idx="1">
+            <a:schemeClr val="lt1"/>
+          </a:fillRef>
+          <a:effectRef idx="0">
+            <a:schemeClr val="dk1"/>
+          </a:effectRef>
+          <a:fontRef idx="minor">
+            <a:schemeClr val="dk1"/>
+          </a:fontRef>
+        </p:style>
+        <p:txBody>
+          <a:bodyPr rtlCol="0" anchor="ctr"/>
+          <a:lstStyle/>
+          <a:p>
+            <a:pPr algn="ctr"/>
+            <a:r>
+              <a:rPr lang="en-US" altLang="ko-KR" dirty="0"/>
+              <a:t>YOUTUBE </a:t>
+            </a:r>
+            <a:r>
+              <a:rPr lang="ko-KR" altLang="en-US" dirty="0"/>
+              <a:t>영상</a:t>
+            </a:r>
+          </a:p>
+        </p:txBody>
+      </p:sp>
+      <p:sp>
+        <p:nvSpPr>
+          <p:cNvPr id="13" name="사각형: 둥근 모서리 12">
+            <a:extLst>
+              <a:ext uri="{FF2B5EF4-FFF2-40B4-BE49-F238E27FC236}">
+                <a16:creationId xmlns:a16="http://schemas.microsoft.com/office/drawing/2014/main" id="{B15E75E6-A44E-8388-7D95-E85198B2EF44}"/>
+              </a:ext>
+            </a:extLst>
+          </p:cNvPr>
+          <p:cNvSpPr/>
+          <p:nvPr/>
+        </p:nvSpPr>
+        <p:spPr>
+          <a:xfrm>
+            <a:off x="91738" y="102648"/>
+            <a:ext cx="485312" cy="451651"/>
+          </a:xfrm>
+          <a:prstGeom prst="roundRect">
+            <a:avLst>
+              <a:gd name="adj" fmla="val 4537"/>
+            </a:avLst>
+          </a:prstGeom>
+        </p:spPr>
+        <p:style>
+          <a:lnRef idx="2">
+            <a:schemeClr val="dk1"/>
+          </a:lnRef>
+          <a:fillRef idx="1">
+            <a:schemeClr val="lt1"/>
+          </a:fillRef>
+          <a:effectRef idx="0">
+            <a:schemeClr val="dk1"/>
+          </a:effectRef>
+          <a:fontRef idx="minor">
+            <a:schemeClr val="dk1"/>
+          </a:fontRef>
+        </p:style>
+        <p:txBody>
+          <a:bodyPr rtlCol="0" anchor="ctr"/>
+          <a:lstStyle/>
+          <a:p>
+            <a:pPr algn="ctr"/>
+            <a:r>
+              <a:rPr lang="ko-KR" altLang="en-US" sz="1100" dirty="0"/>
+              <a:t>로고</a:t>
+            </a:r>
+          </a:p>
+        </p:txBody>
+      </p:sp>
+      <p:sp>
+        <p:nvSpPr>
+          <p:cNvPr id="14" name="사각형: 둥근 모서리 13">
+            <a:extLst>
+              <a:ext uri="{FF2B5EF4-FFF2-40B4-BE49-F238E27FC236}">
+                <a16:creationId xmlns:a16="http://schemas.microsoft.com/office/drawing/2014/main" id="{E9088B61-597A-6E87-1A8F-6954AB533F50}"/>
+              </a:ext>
+            </a:extLst>
+          </p:cNvPr>
+          <p:cNvSpPr/>
+          <p:nvPr/>
+        </p:nvSpPr>
+        <p:spPr>
+          <a:xfrm>
+            <a:off x="170895" y="4210605"/>
+            <a:ext cx="3147134" cy="2440248"/>
+          </a:xfrm>
+          <a:prstGeom prst="roundRect">
+            <a:avLst>
+              <a:gd name="adj" fmla="val 4537"/>
+            </a:avLst>
+          </a:prstGeom>
+        </p:spPr>
+        <p:style>
+          <a:lnRef idx="2">
+            <a:schemeClr val="dk1"/>
+          </a:lnRef>
+          <a:fillRef idx="1">
+            <a:schemeClr val="lt1"/>
+          </a:fillRef>
+          <a:effectRef idx="0">
+            <a:schemeClr val="dk1"/>
+          </a:effectRef>
+          <a:fontRef idx="minor">
+            <a:schemeClr val="dk1"/>
+          </a:fontRef>
+        </p:style>
+        <p:txBody>
+          <a:bodyPr rtlCol="0" anchor="ctr"/>
+          <a:lstStyle/>
+          <a:p>
+            <a:pPr algn="ctr"/>
+            <a:endParaRPr lang="ko-KR" altLang="en-US" dirty="0"/>
+          </a:p>
+        </p:txBody>
+      </p:sp>
+      <p:sp>
+        <p:nvSpPr>
+          <p:cNvPr id="15" name="직사각형 14">
+            <a:extLst>
+              <a:ext uri="{FF2B5EF4-FFF2-40B4-BE49-F238E27FC236}">
+                <a16:creationId xmlns:a16="http://schemas.microsoft.com/office/drawing/2014/main" id="{8CEAB26E-07AC-CDE9-FFA2-17F50B321023}"/>
+              </a:ext>
+            </a:extLst>
+          </p:cNvPr>
+          <p:cNvSpPr/>
+          <p:nvPr/>
+        </p:nvSpPr>
+        <p:spPr>
+          <a:xfrm>
+            <a:off x="170896" y="2474652"/>
+            <a:ext cx="3147134" cy="488272"/>
+          </a:xfrm>
+          <a:prstGeom prst="rect">
+            <a:avLst/>
+          </a:prstGeom>
+        </p:spPr>
+        <p:style>
+          <a:lnRef idx="2">
+            <a:schemeClr val="dk1"/>
+          </a:lnRef>
+          <a:fillRef idx="1">
+            <a:schemeClr val="lt1"/>
+          </a:fillRef>
+          <a:effectRef idx="0">
+            <a:schemeClr val="dk1"/>
+          </a:effectRef>
+          <a:fontRef idx="minor">
+            <a:schemeClr val="dk1"/>
+          </a:fontRef>
+        </p:style>
+        <p:txBody>
+          <a:bodyPr rtlCol="0" anchor="ctr"/>
+          <a:lstStyle/>
+          <a:p>
+            <a:pPr algn="ctr"/>
+            <a:endParaRPr lang="ko-KR" altLang="en-US"/>
+          </a:p>
+        </p:txBody>
+      </p:sp>
+      <p:sp>
+        <p:nvSpPr>
+          <p:cNvPr id="16" name="직사각형 15">
+            <a:extLst>
+              <a:ext uri="{FF2B5EF4-FFF2-40B4-BE49-F238E27FC236}">
+                <a16:creationId xmlns:a16="http://schemas.microsoft.com/office/drawing/2014/main" id="{1B1CD589-92AD-A390-77A0-24B6A1D18D10}"/>
+              </a:ext>
+            </a:extLst>
+          </p:cNvPr>
+          <p:cNvSpPr/>
+          <p:nvPr/>
+        </p:nvSpPr>
+        <p:spPr>
+          <a:xfrm>
+            <a:off x="170895" y="2962924"/>
+            <a:ext cx="3147134" cy="488272"/>
+          </a:xfrm>
+          <a:prstGeom prst="rect">
+            <a:avLst/>
+          </a:prstGeom>
+        </p:spPr>
+        <p:style>
+          <a:lnRef idx="2">
+            <a:schemeClr val="dk1"/>
+          </a:lnRef>
+          <a:fillRef idx="1">
+            <a:schemeClr val="lt1"/>
+          </a:fillRef>
+          <a:effectRef idx="0">
+            <a:schemeClr val="dk1"/>
+          </a:effectRef>
+          <a:fontRef idx="minor">
+            <a:schemeClr val="dk1"/>
+          </a:fontRef>
+        </p:style>
+        <p:txBody>
+          <a:bodyPr rtlCol="0" anchor="ctr"/>
+          <a:lstStyle/>
+          <a:p>
+            <a:pPr algn="ctr"/>
+            <a:endParaRPr lang="ko-KR" altLang="en-US"/>
+          </a:p>
+        </p:txBody>
+      </p:sp>
+      <p:sp>
+        <p:nvSpPr>
+          <p:cNvPr id="17" name="TextBox 16">
+            <a:extLst>
+              <a:ext uri="{FF2B5EF4-FFF2-40B4-BE49-F238E27FC236}">
+                <a16:creationId xmlns:a16="http://schemas.microsoft.com/office/drawing/2014/main" id="{F3048C82-7FB2-DFC8-D2FA-21F6F8CCF403}"/>
+              </a:ext>
+            </a:extLst>
+          </p:cNvPr>
+          <p:cNvSpPr txBox="1"/>
+          <p:nvPr/>
+        </p:nvSpPr>
+        <p:spPr>
+          <a:xfrm>
+            <a:off x="260410" y="2029860"/>
+            <a:ext cx="1910179" cy="369332"/>
+          </a:xfrm>
+          <a:prstGeom prst="rect">
+            <a:avLst/>
+          </a:prstGeom>
+          <a:noFill/>
+        </p:spPr>
+        <p:txBody>
+          <a:bodyPr wrap="square" rtlCol="0">
+            <a:spAutoFit/>
+          </a:bodyPr>
+          <a:lstStyle/>
+          <a:p>
+            <a:r>
+              <a:rPr lang="en-US" altLang="ko-KR" dirty="0"/>
+              <a:t>#1 </a:t>
+            </a:r>
+            <a:r>
+              <a:rPr lang="ko-KR" altLang="en-US" dirty="0"/>
+              <a:t>종류</a:t>
+            </a:r>
+          </a:p>
+        </p:txBody>
+      </p:sp>
+      <p:sp>
+        <p:nvSpPr>
+          <p:cNvPr id="18" name="TextBox 17">
+            <a:extLst>
+              <a:ext uri="{FF2B5EF4-FFF2-40B4-BE49-F238E27FC236}">
+                <a16:creationId xmlns:a16="http://schemas.microsoft.com/office/drawing/2014/main" id="{F2096466-13F9-5E15-4EFD-82F573E398C2}"/>
+              </a:ext>
+            </a:extLst>
+          </p:cNvPr>
+          <p:cNvSpPr txBox="1"/>
+          <p:nvPr/>
+        </p:nvSpPr>
+        <p:spPr>
+          <a:xfrm>
+            <a:off x="260409" y="2534122"/>
+            <a:ext cx="1910179" cy="369332"/>
+          </a:xfrm>
+          <a:prstGeom prst="rect">
+            <a:avLst/>
+          </a:prstGeom>
+          <a:noFill/>
+        </p:spPr>
+        <p:txBody>
+          <a:bodyPr wrap="square" rtlCol="0">
+            <a:spAutoFit/>
+          </a:bodyPr>
+          <a:lstStyle/>
+          <a:p>
+            <a:r>
+              <a:rPr lang="en-US" altLang="ko-KR" dirty="0"/>
+              <a:t>#1.1 </a:t>
+            </a:r>
+            <a:r>
+              <a:rPr lang="ko-KR" altLang="en-US" dirty="0"/>
+              <a:t>설명 </a:t>
+            </a:r>
+            <a:r>
+              <a:rPr lang="en-US" altLang="ko-KR" dirty="0"/>
+              <a:t>1</a:t>
+            </a:r>
+            <a:endParaRPr lang="ko-KR" altLang="en-US" dirty="0"/>
+          </a:p>
+        </p:txBody>
+      </p:sp>
+      <p:sp>
+        <p:nvSpPr>
+          <p:cNvPr id="19" name="TextBox 18">
+            <a:extLst>
+              <a:ext uri="{FF2B5EF4-FFF2-40B4-BE49-F238E27FC236}">
+                <a16:creationId xmlns:a16="http://schemas.microsoft.com/office/drawing/2014/main" id="{54226A98-0A90-B5CB-3A0B-566B06603AF9}"/>
+              </a:ext>
+            </a:extLst>
+          </p:cNvPr>
+          <p:cNvSpPr txBox="1"/>
+          <p:nvPr/>
+        </p:nvSpPr>
+        <p:spPr>
+          <a:xfrm>
+            <a:off x="260409" y="3032766"/>
+            <a:ext cx="1910179" cy="369332"/>
+          </a:xfrm>
+          <a:prstGeom prst="rect">
+            <a:avLst/>
+          </a:prstGeom>
+          <a:noFill/>
+        </p:spPr>
+        <p:txBody>
+          <a:bodyPr wrap="square" rtlCol="0">
+            <a:spAutoFit/>
+          </a:bodyPr>
+          <a:lstStyle/>
+          <a:p>
+            <a:r>
+              <a:rPr lang="en-US" altLang="ko-KR" dirty="0"/>
+              <a:t>#1.2 </a:t>
+            </a:r>
+            <a:r>
+              <a:rPr lang="ko-KR" altLang="en-US" dirty="0"/>
+              <a:t>설명 </a:t>
+            </a:r>
+            <a:r>
+              <a:rPr lang="en-US" altLang="ko-KR" dirty="0"/>
+              <a:t>2</a:t>
+            </a:r>
+            <a:endParaRPr lang="ko-KR" altLang="en-US" dirty="0"/>
+          </a:p>
+        </p:txBody>
+      </p:sp>
+      <p:sp>
+        <p:nvSpPr>
+          <p:cNvPr id="20" name="TextBox 19">
+            <a:extLst>
+              <a:ext uri="{FF2B5EF4-FFF2-40B4-BE49-F238E27FC236}">
+                <a16:creationId xmlns:a16="http://schemas.microsoft.com/office/drawing/2014/main" id="{6EAB706A-C3CD-B77A-6DBE-3E5B58B5EFD7}"/>
+              </a:ext>
+            </a:extLst>
+          </p:cNvPr>
+          <p:cNvSpPr txBox="1"/>
+          <p:nvPr/>
+        </p:nvSpPr>
+        <p:spPr>
+          <a:xfrm>
+            <a:off x="260408" y="3576140"/>
+            <a:ext cx="1910179" cy="369332"/>
+          </a:xfrm>
+          <a:prstGeom prst="rect">
+            <a:avLst/>
+          </a:prstGeom>
+          <a:noFill/>
+        </p:spPr>
+        <p:txBody>
+          <a:bodyPr wrap="square" rtlCol="0">
+            <a:spAutoFit/>
+          </a:bodyPr>
+          <a:lstStyle/>
+          <a:p>
+            <a:r>
+              <a:rPr lang="en-US" altLang="ko-KR" dirty="0"/>
+              <a:t>#1.3 </a:t>
+            </a:r>
+            <a:r>
+              <a:rPr lang="ko-KR" altLang="en-US" dirty="0"/>
+              <a:t>설명 </a:t>
+            </a:r>
+            <a:r>
+              <a:rPr lang="en-US" altLang="ko-KR" dirty="0"/>
+              <a:t>3</a:t>
+            </a:r>
+            <a:endParaRPr lang="ko-KR" altLang="en-US" dirty="0"/>
+          </a:p>
+        </p:txBody>
+      </p:sp>
+      <p:sp>
+        <p:nvSpPr>
+          <p:cNvPr id="21" name="직사각형 20">
+            <a:extLst>
+              <a:ext uri="{FF2B5EF4-FFF2-40B4-BE49-F238E27FC236}">
+                <a16:creationId xmlns:a16="http://schemas.microsoft.com/office/drawing/2014/main" id="{6F3F1EA2-2A31-9D9C-6D74-DF309A7740D7}"/>
+              </a:ext>
+            </a:extLst>
+          </p:cNvPr>
+          <p:cNvSpPr/>
+          <p:nvPr/>
+        </p:nvSpPr>
+        <p:spPr>
+          <a:xfrm>
+            <a:off x="170896" y="4702947"/>
+            <a:ext cx="3147134" cy="488272"/>
+          </a:xfrm>
+          <a:prstGeom prst="rect">
+            <a:avLst/>
+          </a:prstGeom>
+        </p:spPr>
+        <p:style>
+          <a:lnRef idx="2">
+            <a:schemeClr val="dk1"/>
+          </a:lnRef>
+          <a:fillRef idx="1">
+            <a:schemeClr val="lt1"/>
+          </a:fillRef>
+          <a:effectRef idx="0">
+            <a:schemeClr val="dk1"/>
+          </a:effectRef>
+          <a:fontRef idx="minor">
+            <a:schemeClr val="dk1"/>
+          </a:fontRef>
+        </p:style>
+        <p:txBody>
+          <a:bodyPr rtlCol="0" anchor="ctr"/>
+          <a:lstStyle/>
+          <a:p>
+            <a:pPr algn="ctr"/>
+            <a:endParaRPr lang="ko-KR" altLang="en-US"/>
+          </a:p>
+        </p:txBody>
+      </p:sp>
+      <p:sp>
+        <p:nvSpPr>
+          <p:cNvPr id="22" name="직사각형 21">
+            <a:extLst>
+              <a:ext uri="{FF2B5EF4-FFF2-40B4-BE49-F238E27FC236}">
+                <a16:creationId xmlns:a16="http://schemas.microsoft.com/office/drawing/2014/main" id="{4346F2A7-A5C5-8AAA-76C6-CFFB93FB1844}"/>
+              </a:ext>
+            </a:extLst>
+          </p:cNvPr>
+          <p:cNvSpPr/>
+          <p:nvPr/>
+        </p:nvSpPr>
+        <p:spPr>
+          <a:xfrm>
+            <a:off x="170895" y="5191219"/>
+            <a:ext cx="3147134" cy="488272"/>
+          </a:xfrm>
+          <a:prstGeom prst="rect">
+            <a:avLst/>
+          </a:prstGeom>
+        </p:spPr>
+        <p:style>
+          <a:lnRef idx="2">
+            <a:schemeClr val="dk1"/>
+          </a:lnRef>
+          <a:fillRef idx="1">
+            <a:schemeClr val="lt1"/>
+          </a:fillRef>
+          <a:effectRef idx="0">
+            <a:schemeClr val="dk1"/>
+          </a:effectRef>
+          <a:fontRef idx="minor">
+            <a:schemeClr val="dk1"/>
+          </a:fontRef>
+        </p:style>
+        <p:txBody>
+          <a:bodyPr rtlCol="0" anchor="ctr"/>
+          <a:lstStyle/>
+          <a:p>
+            <a:pPr algn="ctr"/>
+            <a:endParaRPr lang="ko-KR" altLang="en-US"/>
+          </a:p>
+        </p:txBody>
+      </p:sp>
+      <p:sp>
+        <p:nvSpPr>
+          <p:cNvPr id="23" name="직사각형 22">
+            <a:extLst>
+              <a:ext uri="{FF2B5EF4-FFF2-40B4-BE49-F238E27FC236}">
+                <a16:creationId xmlns:a16="http://schemas.microsoft.com/office/drawing/2014/main" id="{74F9ED67-8CB1-6AC5-D128-B68192E89EA2}"/>
+              </a:ext>
+            </a:extLst>
+          </p:cNvPr>
+          <p:cNvSpPr/>
+          <p:nvPr/>
+        </p:nvSpPr>
+        <p:spPr>
+          <a:xfrm>
+            <a:off x="170895" y="5679491"/>
+            <a:ext cx="3147134" cy="488272"/>
+          </a:xfrm>
+          <a:prstGeom prst="rect">
+            <a:avLst/>
+          </a:prstGeom>
+        </p:spPr>
+        <p:style>
+          <a:lnRef idx="2">
+            <a:schemeClr val="dk1"/>
+          </a:lnRef>
+          <a:fillRef idx="1">
+            <a:schemeClr val="lt1"/>
+          </a:fillRef>
+          <a:effectRef idx="0">
+            <a:schemeClr val="dk1"/>
+          </a:effectRef>
+          <a:fontRef idx="minor">
+            <a:schemeClr val="dk1"/>
+          </a:fontRef>
+        </p:style>
+        <p:txBody>
+          <a:bodyPr rtlCol="0" anchor="ctr"/>
+          <a:lstStyle/>
+          <a:p>
+            <a:pPr algn="ctr"/>
+            <a:endParaRPr lang="ko-KR" altLang="en-US"/>
+          </a:p>
+        </p:txBody>
+      </p:sp>
+      <p:sp>
+        <p:nvSpPr>
+          <p:cNvPr id="24" name="TextBox 23">
+            <a:extLst>
+              <a:ext uri="{FF2B5EF4-FFF2-40B4-BE49-F238E27FC236}">
+                <a16:creationId xmlns:a16="http://schemas.microsoft.com/office/drawing/2014/main" id="{2FCC051E-8D71-B751-781C-1AE7CA7E81F5}"/>
+              </a:ext>
+            </a:extLst>
+          </p:cNvPr>
+          <p:cNvSpPr txBox="1"/>
+          <p:nvPr/>
+        </p:nvSpPr>
+        <p:spPr>
+          <a:xfrm>
+            <a:off x="260408" y="4284517"/>
+            <a:ext cx="1910179" cy="369332"/>
+          </a:xfrm>
+          <a:prstGeom prst="rect">
+            <a:avLst/>
+          </a:prstGeom>
+          <a:noFill/>
+        </p:spPr>
+        <p:txBody>
+          <a:bodyPr wrap="square" rtlCol="0">
+            <a:spAutoFit/>
+          </a:bodyPr>
+          <a:lstStyle/>
+          <a:p>
+            <a:r>
+              <a:rPr lang="en-US" altLang="ko-KR" dirty="0"/>
+              <a:t>#2 </a:t>
+            </a:r>
+            <a:r>
+              <a:rPr lang="ko-KR" altLang="en-US" dirty="0"/>
+              <a:t>종류</a:t>
+            </a:r>
+          </a:p>
+        </p:txBody>
+      </p:sp>
+      <p:sp>
+        <p:nvSpPr>
+          <p:cNvPr id="2" name="사각형: 둥근 모서리 1">
+            <a:extLst>
+              <a:ext uri="{FF2B5EF4-FFF2-40B4-BE49-F238E27FC236}">
+                <a16:creationId xmlns:a16="http://schemas.microsoft.com/office/drawing/2014/main" id="{74FDBC93-2A56-5A99-9E4C-BF2CFCEE7ED6}"/>
+              </a:ext>
+            </a:extLst>
+          </p:cNvPr>
+          <p:cNvSpPr/>
+          <p:nvPr/>
+        </p:nvSpPr>
+        <p:spPr>
+          <a:xfrm>
+            <a:off x="1458095" y="95437"/>
+            <a:ext cx="1910179" cy="451651"/>
+          </a:xfrm>
+          <a:prstGeom prst="roundRect">
+            <a:avLst>
+              <a:gd name="adj" fmla="val 50000"/>
+            </a:avLst>
+          </a:prstGeom>
+        </p:spPr>
+        <p:style>
+          <a:lnRef idx="2">
+            <a:schemeClr val="dk1"/>
+          </a:lnRef>
+          <a:fillRef idx="1">
+            <a:schemeClr val="lt1"/>
+          </a:fillRef>
+          <a:effectRef idx="0">
+            <a:schemeClr val="dk1"/>
+          </a:effectRef>
+          <a:fontRef idx="minor">
+            <a:schemeClr val="dk1"/>
+          </a:fontRef>
+        </p:style>
+        <p:txBody>
+          <a:bodyPr rtlCol="0" anchor="ctr"/>
+          <a:lstStyle/>
+          <a:p>
+            <a:pPr algn="ctr"/>
+            <a:r>
+              <a:rPr lang="ko-KR" altLang="en-US" sz="1100" dirty="0"/>
+              <a:t>메뉴 숨기기</a:t>
+            </a:r>
+          </a:p>
+        </p:txBody>
+      </p:sp>
+      <p:sp>
+        <p:nvSpPr>
+          <p:cNvPr id="26" name="타원 25">
+            <a:extLst>
+              <a:ext uri="{FF2B5EF4-FFF2-40B4-BE49-F238E27FC236}">
+                <a16:creationId xmlns:a16="http://schemas.microsoft.com/office/drawing/2014/main" id="{34AC474D-CEA8-645F-7907-2C55378744B3}"/>
+              </a:ext>
+            </a:extLst>
+          </p:cNvPr>
+          <p:cNvSpPr/>
+          <p:nvPr/>
+        </p:nvSpPr>
+        <p:spPr>
+          <a:xfrm>
+            <a:off x="1541736" y="145479"/>
+            <a:ext cx="343102" cy="343102"/>
+          </a:xfrm>
+          <a:prstGeom prst="ellipse">
+            <a:avLst/>
+          </a:prstGeom>
+        </p:spPr>
+        <p:style>
+          <a:lnRef idx="2">
+            <a:schemeClr val="dk1"/>
+          </a:lnRef>
+          <a:fillRef idx="1">
+            <a:schemeClr val="lt1"/>
+          </a:fillRef>
+          <a:effectRef idx="0">
+            <a:schemeClr val="dk1"/>
+          </a:effectRef>
+          <a:fontRef idx="minor">
+            <a:schemeClr val="dk1"/>
+          </a:fontRef>
+        </p:style>
+        <p:txBody>
+          <a:bodyPr rtlCol="0" anchor="ctr"/>
+          <a:lstStyle/>
+          <a:p>
+            <a:pPr algn="ctr"/>
+            <a:endParaRPr lang="ko-KR" altLang="en-US"/>
+          </a:p>
+        </p:txBody>
+      </p:sp>
+      <p:sp>
+        <p:nvSpPr>
+          <p:cNvPr id="11" name="사각형: 둥근 모서리 10">
+            <a:extLst>
+              <a:ext uri="{FF2B5EF4-FFF2-40B4-BE49-F238E27FC236}">
+                <a16:creationId xmlns:a16="http://schemas.microsoft.com/office/drawing/2014/main" id="{0037615F-38AD-6254-A3CB-2715FF3CFACF}"/>
+              </a:ext>
+            </a:extLst>
+          </p:cNvPr>
+          <p:cNvSpPr/>
+          <p:nvPr/>
+        </p:nvSpPr>
+        <p:spPr>
+          <a:xfrm>
+            <a:off x="3619744" y="95437"/>
+            <a:ext cx="1910179" cy="451651"/>
+          </a:xfrm>
+          <a:prstGeom prst="roundRect">
+            <a:avLst>
+              <a:gd name="adj" fmla="val 50000"/>
+            </a:avLst>
+          </a:prstGeom>
+        </p:spPr>
+        <p:style>
+          <a:lnRef idx="2">
+            <a:schemeClr val="dk1"/>
+          </a:lnRef>
+          <a:fillRef idx="1">
+            <a:schemeClr val="lt1"/>
+          </a:fillRef>
+          <a:effectRef idx="0">
+            <a:schemeClr val="dk1"/>
+          </a:effectRef>
+          <a:fontRef idx="minor">
+            <a:schemeClr val="dk1"/>
+          </a:fontRef>
+        </p:style>
+        <p:txBody>
+          <a:bodyPr rtlCol="0" anchor="ctr"/>
+          <a:lstStyle/>
+          <a:p>
+            <a:pPr algn="ctr"/>
+            <a:r>
+              <a:rPr lang="ko-KR" altLang="en-US" sz="1100" dirty="0"/>
+              <a:t>이전 영상</a:t>
+            </a:r>
+          </a:p>
+        </p:txBody>
+      </p:sp>
+      <p:sp>
+        <p:nvSpPr>
+          <p:cNvPr id="3" name="곱하기 기호 2">
+            <a:extLst>
+              <a:ext uri="{FF2B5EF4-FFF2-40B4-BE49-F238E27FC236}">
+                <a16:creationId xmlns:a16="http://schemas.microsoft.com/office/drawing/2014/main" id="{7B09A7C4-3D3D-01D8-533C-FDACE5B7E4F7}"/>
+              </a:ext>
+            </a:extLst>
+          </p:cNvPr>
+          <p:cNvSpPr/>
+          <p:nvPr/>
+        </p:nvSpPr>
+        <p:spPr>
+          <a:xfrm>
+            <a:off x="1614502" y="225845"/>
+            <a:ext cx="197569" cy="197569"/>
+          </a:xfrm>
+          <a:prstGeom prst="mathMultiply">
+            <a:avLst>
+              <a:gd name="adj1" fmla="val 12545"/>
+            </a:avLst>
+          </a:prstGeom>
+        </p:spPr>
+        <p:style>
+          <a:lnRef idx="2">
+            <a:schemeClr val="dk1"/>
+          </a:lnRef>
+          <a:fillRef idx="1">
+            <a:schemeClr val="lt1"/>
+          </a:fillRef>
+          <a:effectRef idx="0">
+            <a:schemeClr val="dk1"/>
+          </a:effectRef>
+          <a:fontRef idx="minor">
+            <a:schemeClr val="dk1"/>
+          </a:fontRef>
+        </p:style>
+        <p:txBody>
+          <a:bodyPr rtlCol="0" anchor="ctr"/>
+          <a:lstStyle/>
+          <a:p>
+            <a:pPr algn="ctr"/>
+            <a:endParaRPr lang="ko-KR" altLang="en-US"/>
+          </a:p>
+        </p:txBody>
+      </p:sp>
+      <p:sp>
+        <p:nvSpPr>
+          <p:cNvPr id="27" name="타원 26">
+            <a:extLst>
+              <a:ext uri="{FF2B5EF4-FFF2-40B4-BE49-F238E27FC236}">
+                <a16:creationId xmlns:a16="http://schemas.microsoft.com/office/drawing/2014/main" id="{104F8BDF-2D95-8C1C-745A-439D78FC7C49}"/>
+              </a:ext>
+            </a:extLst>
+          </p:cNvPr>
+          <p:cNvSpPr/>
+          <p:nvPr/>
+        </p:nvSpPr>
+        <p:spPr>
+          <a:xfrm>
+            <a:off x="3692846" y="145479"/>
+            <a:ext cx="343102" cy="343102"/>
+          </a:xfrm>
+          <a:prstGeom prst="ellipse">
+            <a:avLst/>
+          </a:prstGeom>
+        </p:spPr>
+        <p:style>
+          <a:lnRef idx="2">
+            <a:schemeClr val="dk1"/>
+          </a:lnRef>
+          <a:fillRef idx="1">
+            <a:schemeClr val="lt1"/>
+          </a:fillRef>
+          <a:effectRef idx="0">
+            <a:schemeClr val="dk1"/>
+          </a:effectRef>
+          <a:fontRef idx="minor">
+            <a:schemeClr val="dk1"/>
+          </a:fontRef>
+        </p:style>
+        <p:txBody>
+          <a:bodyPr rtlCol="0" anchor="ctr"/>
+          <a:lstStyle/>
+          <a:p>
+            <a:pPr algn="ctr"/>
+            <a:endParaRPr lang="ko-KR" altLang="en-US"/>
+          </a:p>
+        </p:txBody>
+      </p:sp>
+      <p:sp>
+        <p:nvSpPr>
+          <p:cNvPr id="29" name="화살표: 왼쪽 28">
+            <a:extLst>
+              <a:ext uri="{FF2B5EF4-FFF2-40B4-BE49-F238E27FC236}">
+                <a16:creationId xmlns:a16="http://schemas.microsoft.com/office/drawing/2014/main" id="{79C2F660-5DA9-801E-0E9F-23D1E4C00386}"/>
+              </a:ext>
+            </a:extLst>
+          </p:cNvPr>
+          <p:cNvSpPr/>
+          <p:nvPr/>
+        </p:nvSpPr>
+        <p:spPr>
+          <a:xfrm>
+            <a:off x="3807899" y="279723"/>
+            <a:ext cx="112996" cy="74613"/>
+          </a:xfrm>
+          <a:prstGeom prst="leftArrow">
+            <a:avLst>
+              <a:gd name="adj1" fmla="val 28726"/>
+              <a:gd name="adj2" fmla="val 50000"/>
+            </a:avLst>
+          </a:prstGeom>
+        </p:spPr>
+        <p:style>
+          <a:lnRef idx="2">
+            <a:schemeClr val="dk1"/>
+          </a:lnRef>
+          <a:fillRef idx="1">
+            <a:schemeClr val="lt1"/>
+          </a:fillRef>
+          <a:effectRef idx="0">
+            <a:schemeClr val="dk1"/>
+          </a:effectRef>
+          <a:fontRef idx="minor">
+            <a:schemeClr val="dk1"/>
+          </a:fontRef>
+        </p:style>
+        <p:txBody>
+          <a:bodyPr rtlCol="0" anchor="ctr"/>
+          <a:lstStyle/>
+          <a:p>
+            <a:pPr algn="ctr"/>
+            <a:endParaRPr lang="ko-KR" altLang="en-US"/>
+          </a:p>
+        </p:txBody>
+      </p:sp>
+      <p:sp>
+        <p:nvSpPr>
+          <p:cNvPr id="30" name="사각형: 둥근 모서리 29">
+            <a:extLst>
+              <a:ext uri="{FF2B5EF4-FFF2-40B4-BE49-F238E27FC236}">
+                <a16:creationId xmlns:a16="http://schemas.microsoft.com/office/drawing/2014/main" id="{74E7483A-F79C-A3CF-7B92-FF25BE8E120B}"/>
+              </a:ext>
+            </a:extLst>
+          </p:cNvPr>
+          <p:cNvSpPr/>
+          <p:nvPr/>
+        </p:nvSpPr>
+        <p:spPr>
+          <a:xfrm>
+            <a:off x="10124004" y="102648"/>
+            <a:ext cx="1910179" cy="451651"/>
+          </a:xfrm>
+          <a:prstGeom prst="roundRect">
+            <a:avLst>
+              <a:gd name="adj" fmla="val 50000"/>
+            </a:avLst>
+          </a:prstGeom>
+        </p:spPr>
+        <p:style>
+          <a:lnRef idx="2">
+            <a:schemeClr val="dk1"/>
+          </a:lnRef>
+          <a:fillRef idx="1">
+            <a:schemeClr val="lt1"/>
+          </a:fillRef>
+          <a:effectRef idx="0">
+            <a:schemeClr val="dk1"/>
+          </a:effectRef>
+          <a:fontRef idx="minor">
+            <a:schemeClr val="dk1"/>
+          </a:fontRef>
+        </p:style>
+        <p:txBody>
+          <a:bodyPr rtlCol="0" anchor="ctr"/>
+          <a:lstStyle/>
+          <a:p>
+            <a:pPr algn="ctr"/>
+            <a:r>
+              <a:rPr lang="ko-KR" altLang="en-US" sz="1100"/>
+              <a:t>다음 </a:t>
+            </a:r>
+            <a:r>
+              <a:rPr lang="ko-KR" altLang="en-US" sz="1100" dirty="0"/>
+              <a:t>영상</a:t>
+            </a:r>
+          </a:p>
+        </p:txBody>
+      </p:sp>
+      <p:sp>
+        <p:nvSpPr>
+          <p:cNvPr id="31" name="타원 30">
+            <a:extLst>
+              <a:ext uri="{FF2B5EF4-FFF2-40B4-BE49-F238E27FC236}">
+                <a16:creationId xmlns:a16="http://schemas.microsoft.com/office/drawing/2014/main" id="{75978EC6-B39E-EFB8-003C-582ABCA06BBD}"/>
+              </a:ext>
+            </a:extLst>
+          </p:cNvPr>
+          <p:cNvSpPr/>
+          <p:nvPr/>
+        </p:nvSpPr>
+        <p:spPr>
+          <a:xfrm flipH="1">
+            <a:off x="11619506" y="145479"/>
+            <a:ext cx="343102" cy="343102"/>
+          </a:xfrm>
+          <a:prstGeom prst="ellipse">
+            <a:avLst/>
+          </a:prstGeom>
+        </p:spPr>
+        <p:style>
+          <a:lnRef idx="2">
+            <a:schemeClr val="dk1"/>
+          </a:lnRef>
+          <a:fillRef idx="1">
+            <a:schemeClr val="lt1"/>
+          </a:fillRef>
+          <a:effectRef idx="0">
+            <a:schemeClr val="dk1"/>
+          </a:effectRef>
+          <a:fontRef idx="minor">
+            <a:schemeClr val="dk1"/>
+          </a:fontRef>
+        </p:style>
+        <p:txBody>
+          <a:bodyPr rtlCol="0" anchor="ctr"/>
+          <a:lstStyle/>
+          <a:p>
+            <a:pPr algn="ctr"/>
+            <a:endParaRPr lang="ko-KR" altLang="en-US"/>
+          </a:p>
+        </p:txBody>
+      </p:sp>
+      <p:sp>
+        <p:nvSpPr>
+          <p:cNvPr id="32" name="화살표: 왼쪽 31">
+            <a:extLst>
+              <a:ext uri="{FF2B5EF4-FFF2-40B4-BE49-F238E27FC236}">
+                <a16:creationId xmlns:a16="http://schemas.microsoft.com/office/drawing/2014/main" id="{7AC05633-1EFD-3561-B599-F2944966F9A3}"/>
+              </a:ext>
+            </a:extLst>
+          </p:cNvPr>
+          <p:cNvSpPr/>
+          <p:nvPr/>
+        </p:nvSpPr>
+        <p:spPr>
+          <a:xfrm flipH="1">
+            <a:off x="11734559" y="279723"/>
+            <a:ext cx="112996" cy="74613"/>
+          </a:xfrm>
+          <a:prstGeom prst="leftArrow">
+            <a:avLst>
+              <a:gd name="adj1" fmla="val 28726"/>
+              <a:gd name="adj2" fmla="val 50000"/>
+            </a:avLst>
+          </a:prstGeom>
+        </p:spPr>
+        <p:style>
+          <a:lnRef idx="2">
+            <a:schemeClr val="dk1"/>
+          </a:lnRef>
+          <a:fillRef idx="1">
+            <a:schemeClr val="lt1"/>
+          </a:fillRef>
+          <a:effectRef idx="0">
+            <a:schemeClr val="dk1"/>
+          </a:effectRef>
+          <a:fontRef idx="minor">
+            <a:schemeClr val="dk1"/>
+          </a:fontRef>
+        </p:style>
+        <p:txBody>
+          <a:bodyPr rtlCol="0" anchor="ctr"/>
+          <a:lstStyle/>
+          <a:p>
+            <a:pPr algn="ctr"/>
+            <a:endParaRPr lang="ko-KR" altLang="en-US"/>
+          </a:p>
+        </p:txBody>
+      </p:sp>
+      <p:sp>
+        <p:nvSpPr>
+          <p:cNvPr id="9" name="직사각형 8">
+            <a:extLst>
+              <a:ext uri="{FF2B5EF4-FFF2-40B4-BE49-F238E27FC236}">
+                <a16:creationId xmlns:a16="http://schemas.microsoft.com/office/drawing/2014/main" id="{A2675DDB-6DA1-6395-5E6D-4BFC7CBA8D9B}"/>
+              </a:ext>
+            </a:extLst>
+          </p:cNvPr>
+          <p:cNvSpPr/>
+          <p:nvPr/>
+        </p:nvSpPr>
+        <p:spPr>
+          <a:xfrm>
+            <a:off x="7936637" y="3429000"/>
+            <a:ext cx="3910918" cy="1660126"/>
+          </a:xfrm>
+          <a:prstGeom prst="rect">
+            <a:avLst/>
+          </a:prstGeom>
+        </p:spPr>
+        <p:style>
+          <a:lnRef idx="2">
+            <a:schemeClr val="dk1"/>
+          </a:lnRef>
+          <a:fillRef idx="1">
+            <a:schemeClr val="lt1"/>
+          </a:fillRef>
+          <a:effectRef idx="0">
+            <a:schemeClr val="dk1"/>
+          </a:effectRef>
+          <a:fontRef idx="minor">
+            <a:schemeClr val="dk1"/>
+          </a:fontRef>
+        </p:style>
+        <p:txBody>
+          <a:bodyPr rtlCol="0" anchor="ctr"/>
+          <a:lstStyle/>
+          <a:p>
+            <a:pPr algn="ctr"/>
+            <a:r>
+              <a:rPr lang="en-US" altLang="ko-KR" dirty="0"/>
+              <a:t>YOUTUBE </a:t>
+            </a:r>
+            <a:r>
+              <a:rPr lang="ko-KR" altLang="en-US" dirty="0"/>
+              <a:t>영상</a:t>
+            </a:r>
+          </a:p>
+        </p:txBody>
+      </p:sp>
+      <p:sp>
+        <p:nvSpPr>
+          <p:cNvPr id="25" name="직사각형 24">
+            <a:extLst>
+              <a:ext uri="{FF2B5EF4-FFF2-40B4-BE49-F238E27FC236}">
+                <a16:creationId xmlns:a16="http://schemas.microsoft.com/office/drawing/2014/main" id="{45EBD902-9638-957C-EE17-4797E2CEF8F2}"/>
+              </a:ext>
+            </a:extLst>
+          </p:cNvPr>
+          <p:cNvSpPr/>
+          <p:nvPr/>
+        </p:nvSpPr>
+        <p:spPr>
+          <a:xfrm>
+            <a:off x="3844094" y="1655130"/>
+            <a:ext cx="3910918" cy="1660126"/>
+          </a:xfrm>
+          <a:prstGeom prst="rect">
+            <a:avLst/>
+          </a:prstGeom>
+        </p:spPr>
+        <p:style>
+          <a:lnRef idx="2">
+            <a:schemeClr val="dk1"/>
+          </a:lnRef>
+          <a:fillRef idx="1">
+            <a:schemeClr val="lt1"/>
+          </a:fillRef>
+          <a:effectRef idx="0">
+            <a:schemeClr val="dk1"/>
+          </a:effectRef>
+          <a:fontRef idx="minor">
+            <a:schemeClr val="dk1"/>
+          </a:fontRef>
+        </p:style>
+        <p:txBody>
+          <a:bodyPr rtlCol="0" anchor="ctr"/>
+          <a:lstStyle/>
+          <a:p>
+            <a:pPr algn="ctr"/>
+            <a:r>
+              <a:rPr lang="en-US" altLang="ko-KR" dirty="0"/>
+              <a:t>YOUTUBE </a:t>
+            </a:r>
+            <a:r>
+              <a:rPr lang="ko-KR" altLang="en-US" dirty="0"/>
+              <a:t>영상</a:t>
+            </a:r>
+          </a:p>
+        </p:txBody>
+      </p:sp>
+      <p:sp>
+        <p:nvSpPr>
+          <p:cNvPr id="28" name="직사각형 27">
+            <a:extLst>
+              <a:ext uri="{FF2B5EF4-FFF2-40B4-BE49-F238E27FC236}">
+                <a16:creationId xmlns:a16="http://schemas.microsoft.com/office/drawing/2014/main" id="{9EEF4A8D-1130-178E-AF9F-ED939BEBAC31}"/>
+              </a:ext>
+            </a:extLst>
+          </p:cNvPr>
+          <p:cNvSpPr/>
+          <p:nvPr/>
+        </p:nvSpPr>
+        <p:spPr>
+          <a:xfrm>
+            <a:off x="7925909" y="1666225"/>
+            <a:ext cx="3910918" cy="1660126"/>
+          </a:xfrm>
+          <a:prstGeom prst="rect">
+            <a:avLst/>
+          </a:prstGeom>
+        </p:spPr>
+        <p:style>
+          <a:lnRef idx="2">
+            <a:schemeClr val="dk1"/>
+          </a:lnRef>
+          <a:fillRef idx="1">
+            <a:schemeClr val="lt1"/>
+          </a:fillRef>
+          <a:effectRef idx="0">
+            <a:schemeClr val="dk1"/>
+          </a:effectRef>
+          <a:fontRef idx="minor">
+            <a:schemeClr val="dk1"/>
+          </a:fontRef>
+        </p:style>
+        <p:txBody>
+          <a:bodyPr rtlCol="0" anchor="ctr"/>
+          <a:lstStyle/>
+          <a:p>
+            <a:pPr algn="ctr"/>
+            <a:r>
+              <a:rPr lang="en-US" altLang="ko-KR" dirty="0"/>
+              <a:t>YOUTUBE </a:t>
+            </a:r>
+            <a:r>
+              <a:rPr lang="ko-KR" altLang="en-US" dirty="0"/>
+              <a:t>영상</a:t>
+            </a:r>
+          </a:p>
+        </p:txBody>
+      </p:sp>
+      <p:sp>
+        <p:nvSpPr>
+          <p:cNvPr id="33" name="직사각형 32">
+            <a:extLst>
+              <a:ext uri="{FF2B5EF4-FFF2-40B4-BE49-F238E27FC236}">
+                <a16:creationId xmlns:a16="http://schemas.microsoft.com/office/drawing/2014/main" id="{3B90033E-DF42-7C03-C5C0-FF554D5604B5}"/>
+              </a:ext>
+            </a:extLst>
+          </p:cNvPr>
+          <p:cNvSpPr/>
+          <p:nvPr/>
+        </p:nvSpPr>
+        <p:spPr>
+          <a:xfrm>
+            <a:off x="3854822" y="5180124"/>
+            <a:ext cx="3910918" cy="1660126"/>
+          </a:xfrm>
+          <a:prstGeom prst="rect">
+            <a:avLst/>
+          </a:prstGeom>
+        </p:spPr>
+        <p:style>
+          <a:lnRef idx="2">
+            <a:schemeClr val="dk1"/>
+          </a:lnRef>
+          <a:fillRef idx="1">
+            <a:schemeClr val="lt1"/>
+          </a:fillRef>
+          <a:effectRef idx="0">
+            <a:schemeClr val="dk1"/>
+          </a:effectRef>
+          <a:fontRef idx="minor">
+            <a:schemeClr val="dk1"/>
+          </a:fontRef>
+        </p:style>
+        <p:txBody>
+          <a:bodyPr rtlCol="0" anchor="ctr"/>
+          <a:lstStyle/>
+          <a:p>
+            <a:pPr algn="ctr"/>
+            <a:r>
+              <a:rPr lang="en-US" altLang="ko-KR" dirty="0"/>
+              <a:t>YOUTUBE </a:t>
+            </a:r>
+            <a:r>
+              <a:rPr lang="ko-KR" altLang="en-US" dirty="0"/>
+              <a:t>영상</a:t>
+            </a:r>
+          </a:p>
+        </p:txBody>
+      </p:sp>
+      <p:sp>
+        <p:nvSpPr>
+          <p:cNvPr id="34" name="직사각형 33">
+            <a:extLst>
+              <a:ext uri="{FF2B5EF4-FFF2-40B4-BE49-F238E27FC236}">
+                <a16:creationId xmlns:a16="http://schemas.microsoft.com/office/drawing/2014/main" id="{B701A5B5-8994-0478-E821-16FB6F0AC5AC}"/>
+              </a:ext>
+            </a:extLst>
+          </p:cNvPr>
+          <p:cNvSpPr/>
+          <p:nvPr/>
+        </p:nvSpPr>
+        <p:spPr>
+          <a:xfrm>
+            <a:off x="7936637" y="5191219"/>
+            <a:ext cx="3910918" cy="1660126"/>
+          </a:xfrm>
+          <a:prstGeom prst="rect">
+            <a:avLst/>
+          </a:prstGeom>
+        </p:spPr>
+        <p:style>
+          <a:lnRef idx="2">
+            <a:schemeClr val="dk1"/>
+          </a:lnRef>
+          <a:fillRef idx="1">
+            <a:schemeClr val="lt1"/>
+          </a:fillRef>
+          <a:effectRef idx="0">
+            <a:schemeClr val="dk1"/>
+          </a:effectRef>
+          <a:fontRef idx="minor">
+            <a:schemeClr val="dk1"/>
+          </a:fontRef>
+        </p:style>
+        <p:txBody>
+          <a:bodyPr rtlCol="0" anchor="ctr"/>
+          <a:lstStyle/>
+          <a:p>
+            <a:pPr algn="ctr"/>
+            <a:r>
+              <a:rPr lang="en-US" altLang="ko-KR" dirty="0"/>
+              <a:t>YOUTUBE </a:t>
+            </a:r>
+            <a:r>
+              <a:rPr lang="ko-KR" altLang="en-US" dirty="0"/>
+              <a:t>영상</a:t>
+            </a:r>
+          </a:p>
+        </p:txBody>
+      </p:sp>
+      <p:sp>
+        <p:nvSpPr>
+          <p:cNvPr id="35" name="사각형: 둥근 모서리 34">
+            <a:extLst>
+              <a:ext uri="{FF2B5EF4-FFF2-40B4-BE49-F238E27FC236}">
+                <a16:creationId xmlns:a16="http://schemas.microsoft.com/office/drawing/2014/main" id="{508FC9C0-C441-652F-BDCB-CBBCEFD6121B}"/>
+              </a:ext>
+            </a:extLst>
+          </p:cNvPr>
+          <p:cNvSpPr/>
+          <p:nvPr/>
+        </p:nvSpPr>
+        <p:spPr>
+          <a:xfrm>
+            <a:off x="6885372" y="936070"/>
+            <a:ext cx="1910179" cy="451651"/>
+          </a:xfrm>
+          <a:prstGeom prst="roundRect">
+            <a:avLst>
+              <a:gd name="adj" fmla="val 50000"/>
+            </a:avLst>
+          </a:prstGeom>
+        </p:spPr>
+        <p:style>
+          <a:lnRef idx="2">
+            <a:schemeClr val="dk1"/>
+          </a:lnRef>
+          <a:fillRef idx="1">
+            <a:schemeClr val="lt1"/>
+          </a:fillRef>
+          <a:effectRef idx="0">
+            <a:schemeClr val="dk1"/>
+          </a:effectRef>
+          <a:fontRef idx="minor">
+            <a:schemeClr val="dk1"/>
+          </a:fontRef>
+        </p:style>
+        <p:txBody>
+          <a:bodyPr rtlCol="0" anchor="ctr"/>
+          <a:lstStyle/>
+          <a:p>
+            <a:pPr algn="ctr"/>
+            <a:r>
+              <a:rPr lang="ko-KR" altLang="en-US" sz="1100" dirty="0" err="1"/>
+              <a:t>관련영상닫기</a:t>
+            </a:r>
+            <a:r>
+              <a:rPr lang="ko-KR" altLang="en-US" sz="1100" dirty="0"/>
+              <a:t> </a:t>
+            </a:r>
+            <a:r>
+              <a:rPr lang="en-US" altLang="ko-KR" sz="1100" dirty="0"/>
+              <a:t>X</a:t>
+            </a:r>
+            <a:endParaRPr lang="ko-KR" altLang="en-US" sz="1100" dirty="0"/>
+          </a:p>
+        </p:txBody>
+      </p:sp>
+      <p:sp>
+        <p:nvSpPr>
+          <p:cNvPr id="36" name="TextBox 35">
+            <a:extLst>
+              <a:ext uri="{FF2B5EF4-FFF2-40B4-BE49-F238E27FC236}">
+                <a16:creationId xmlns:a16="http://schemas.microsoft.com/office/drawing/2014/main" id="{DFAC4901-3E0E-DCAC-8EFA-29F89F166947}"/>
+              </a:ext>
+            </a:extLst>
+          </p:cNvPr>
+          <p:cNvSpPr txBox="1"/>
+          <p:nvPr/>
+        </p:nvSpPr>
+        <p:spPr>
+          <a:xfrm>
+            <a:off x="218792" y="4776762"/>
+            <a:ext cx="1910179" cy="369332"/>
+          </a:xfrm>
+          <a:prstGeom prst="rect">
+            <a:avLst/>
+          </a:prstGeom>
+          <a:noFill/>
+        </p:spPr>
+        <p:txBody>
+          <a:bodyPr wrap="square" rtlCol="0">
+            <a:spAutoFit/>
+          </a:bodyPr>
+          <a:lstStyle/>
+          <a:p>
+            <a:r>
+              <a:rPr lang="en-US" altLang="ko-KR" dirty="0"/>
+              <a:t>#2.1 </a:t>
+            </a:r>
+            <a:r>
+              <a:rPr lang="ko-KR" altLang="en-US" dirty="0"/>
+              <a:t>설명 </a:t>
+            </a:r>
+            <a:r>
+              <a:rPr lang="en-US" altLang="ko-KR" dirty="0"/>
+              <a:t>1</a:t>
+            </a:r>
+            <a:endParaRPr lang="ko-KR" altLang="en-US" dirty="0"/>
+          </a:p>
+        </p:txBody>
+      </p:sp>
+      <p:sp>
+        <p:nvSpPr>
+          <p:cNvPr id="37" name="TextBox 36">
+            <a:extLst>
+              <a:ext uri="{FF2B5EF4-FFF2-40B4-BE49-F238E27FC236}">
+                <a16:creationId xmlns:a16="http://schemas.microsoft.com/office/drawing/2014/main" id="{ADA18496-8FEA-B078-346C-839102048FB5}"/>
+              </a:ext>
+            </a:extLst>
+          </p:cNvPr>
+          <p:cNvSpPr txBox="1"/>
+          <p:nvPr/>
+        </p:nvSpPr>
+        <p:spPr>
+          <a:xfrm>
+            <a:off x="224895" y="5257801"/>
+            <a:ext cx="1910179" cy="369332"/>
+          </a:xfrm>
+          <a:prstGeom prst="rect">
+            <a:avLst/>
+          </a:prstGeom>
+          <a:noFill/>
+        </p:spPr>
+        <p:txBody>
+          <a:bodyPr wrap="square" rtlCol="0">
+            <a:spAutoFit/>
+          </a:bodyPr>
+          <a:lstStyle/>
+          <a:p>
+            <a:r>
+              <a:rPr lang="en-US" altLang="ko-KR" dirty="0"/>
+              <a:t>#2.2 </a:t>
+            </a:r>
+            <a:r>
+              <a:rPr lang="ko-KR" altLang="en-US" dirty="0"/>
+              <a:t>설명 </a:t>
+            </a:r>
+            <a:r>
+              <a:rPr lang="en-US" altLang="ko-KR" dirty="0"/>
+              <a:t>2</a:t>
+            </a:r>
+            <a:endParaRPr lang="ko-KR" altLang="en-US" dirty="0"/>
+          </a:p>
+        </p:txBody>
+      </p:sp>
+      <p:sp>
+        <p:nvSpPr>
+          <p:cNvPr id="38" name="TextBox 37">
+            <a:extLst>
+              <a:ext uri="{FF2B5EF4-FFF2-40B4-BE49-F238E27FC236}">
+                <a16:creationId xmlns:a16="http://schemas.microsoft.com/office/drawing/2014/main" id="{1DDD663D-A290-639F-750B-D34D383C5E98}"/>
+              </a:ext>
+            </a:extLst>
+          </p:cNvPr>
+          <p:cNvSpPr txBox="1"/>
+          <p:nvPr/>
+        </p:nvSpPr>
+        <p:spPr>
+          <a:xfrm>
+            <a:off x="232476" y="5746073"/>
+            <a:ext cx="1910179" cy="369332"/>
+          </a:xfrm>
+          <a:prstGeom prst="rect">
+            <a:avLst/>
+          </a:prstGeom>
+          <a:noFill/>
+        </p:spPr>
+        <p:txBody>
+          <a:bodyPr wrap="square" rtlCol="0">
+            <a:spAutoFit/>
+          </a:bodyPr>
+          <a:lstStyle/>
+          <a:p>
+            <a:r>
+              <a:rPr lang="en-US" altLang="ko-KR" dirty="0"/>
+              <a:t>#2.3 </a:t>
+            </a:r>
+            <a:r>
+              <a:rPr lang="ko-KR" altLang="en-US" dirty="0"/>
+              <a:t>설명 </a:t>
+            </a:r>
+            <a:r>
+              <a:rPr lang="en-US" altLang="ko-KR" dirty="0"/>
+              <a:t>3</a:t>
+            </a:r>
+            <a:endParaRPr lang="ko-KR" altLang="en-US" dirty="0"/>
+          </a:p>
+        </p:txBody>
+      </p:sp>
+      <p:sp>
+        <p:nvSpPr>
+          <p:cNvPr id="39" name="TextBox 38">
+            <a:extLst>
+              <a:ext uri="{FF2B5EF4-FFF2-40B4-BE49-F238E27FC236}">
+                <a16:creationId xmlns:a16="http://schemas.microsoft.com/office/drawing/2014/main" id="{626F2E5C-0705-21CC-39E7-B626B3377304}"/>
+              </a:ext>
+            </a:extLst>
+          </p:cNvPr>
+          <p:cNvSpPr txBox="1"/>
+          <p:nvPr/>
+        </p:nvSpPr>
+        <p:spPr>
+          <a:xfrm>
+            <a:off x="260408" y="6219214"/>
+            <a:ext cx="1910179" cy="369332"/>
+          </a:xfrm>
+          <a:prstGeom prst="rect">
+            <a:avLst/>
+          </a:prstGeom>
+          <a:noFill/>
+        </p:spPr>
+        <p:txBody>
+          <a:bodyPr wrap="square" rtlCol="0">
+            <a:spAutoFit/>
+          </a:bodyPr>
+          <a:lstStyle/>
+          <a:p>
+            <a:r>
+              <a:rPr lang="en-US" altLang="ko-KR" dirty="0"/>
+              <a:t>#2.4 </a:t>
+            </a:r>
+            <a:r>
+              <a:rPr lang="ko-KR" altLang="en-US" dirty="0"/>
+              <a:t>설명 </a:t>
+            </a:r>
+            <a:r>
+              <a:rPr lang="en-US" altLang="ko-KR" dirty="0"/>
+              <a:t>4</a:t>
+            </a:r>
+            <a:endParaRPr lang="ko-KR" altLang="en-US" dirty="0"/>
+          </a:p>
+        </p:txBody>
+      </p:sp>
+    </p:spTree>
+    <p:extLst>
+      <p:ext uri="{BB962C8B-B14F-4D97-AF65-F5344CB8AC3E}">
+        <p14:creationId xmlns:p14="http://schemas.microsoft.com/office/powerpoint/2010/main" val="3258457493"/>
       </p:ext>
     </p:extLst>
   </p:cSld>
